--- a/第四章线性判别函数（线性分类器）.pptx
+++ b/第四章线性判别函数（线性分类器）.pptx
@@ -274,7 +274,7 @@
           <a:p>
             <a:fld id="{94E627C9-CFC5-4286-8D2F-020F502A09B8}" type="datetimeFigureOut">
               <a:rPr lang="zh-CN" altLang="en-US" smtClean="0"/>
-              <a:t>2020/3/20</a:t>
+              <a:t>2020/3/24</a:t>
             </a:fld>
             <a:endParaRPr lang="zh-CN" altLang="en-US"/>
           </a:p>
@@ -472,7 +472,7 @@
           <a:p>
             <a:fld id="{94E627C9-CFC5-4286-8D2F-020F502A09B8}" type="datetimeFigureOut">
               <a:rPr lang="zh-CN" altLang="en-US" smtClean="0"/>
-              <a:t>2020/3/20</a:t>
+              <a:t>2020/3/24</a:t>
             </a:fld>
             <a:endParaRPr lang="zh-CN" altLang="en-US"/>
           </a:p>
@@ -680,7 +680,7 @@
           <a:p>
             <a:fld id="{94E627C9-CFC5-4286-8D2F-020F502A09B8}" type="datetimeFigureOut">
               <a:rPr lang="zh-CN" altLang="en-US" smtClean="0"/>
-              <a:t>2020/3/20</a:t>
+              <a:t>2020/3/24</a:t>
             </a:fld>
             <a:endParaRPr lang="zh-CN" altLang="en-US"/>
           </a:p>
@@ -878,7 +878,7 @@
           <a:p>
             <a:fld id="{94E627C9-CFC5-4286-8D2F-020F502A09B8}" type="datetimeFigureOut">
               <a:rPr lang="zh-CN" altLang="en-US" smtClean="0"/>
-              <a:t>2020/3/20</a:t>
+              <a:t>2020/3/24</a:t>
             </a:fld>
             <a:endParaRPr lang="zh-CN" altLang="en-US"/>
           </a:p>
@@ -1153,7 +1153,7 @@
           <a:p>
             <a:fld id="{94E627C9-CFC5-4286-8D2F-020F502A09B8}" type="datetimeFigureOut">
               <a:rPr lang="zh-CN" altLang="en-US" smtClean="0"/>
-              <a:t>2020/3/20</a:t>
+              <a:t>2020/3/24</a:t>
             </a:fld>
             <a:endParaRPr lang="zh-CN" altLang="en-US"/>
           </a:p>
@@ -1418,7 +1418,7 @@
           <a:p>
             <a:fld id="{94E627C9-CFC5-4286-8D2F-020F502A09B8}" type="datetimeFigureOut">
               <a:rPr lang="zh-CN" altLang="en-US" smtClean="0"/>
-              <a:t>2020/3/20</a:t>
+              <a:t>2020/3/24</a:t>
             </a:fld>
             <a:endParaRPr lang="zh-CN" altLang="en-US"/>
           </a:p>
@@ -1830,7 +1830,7 @@
           <a:p>
             <a:fld id="{94E627C9-CFC5-4286-8D2F-020F502A09B8}" type="datetimeFigureOut">
               <a:rPr lang="zh-CN" altLang="en-US" smtClean="0"/>
-              <a:t>2020/3/20</a:t>
+              <a:t>2020/3/24</a:t>
             </a:fld>
             <a:endParaRPr lang="zh-CN" altLang="en-US"/>
           </a:p>
@@ -1971,7 +1971,7 @@
           <a:p>
             <a:fld id="{94E627C9-CFC5-4286-8D2F-020F502A09B8}" type="datetimeFigureOut">
               <a:rPr lang="zh-CN" altLang="en-US" smtClean="0"/>
-              <a:t>2020/3/20</a:t>
+              <a:t>2020/3/24</a:t>
             </a:fld>
             <a:endParaRPr lang="zh-CN" altLang="en-US"/>
           </a:p>
@@ -2084,7 +2084,7 @@
           <a:p>
             <a:fld id="{94E627C9-CFC5-4286-8D2F-020F502A09B8}" type="datetimeFigureOut">
               <a:rPr lang="zh-CN" altLang="en-US" smtClean="0"/>
-              <a:t>2020/3/20</a:t>
+              <a:t>2020/3/24</a:t>
             </a:fld>
             <a:endParaRPr lang="zh-CN" altLang="en-US"/>
           </a:p>
@@ -2395,7 +2395,7 @@
           <a:p>
             <a:fld id="{94E627C9-CFC5-4286-8D2F-020F502A09B8}" type="datetimeFigureOut">
               <a:rPr lang="zh-CN" altLang="en-US" smtClean="0"/>
-              <a:t>2020/3/20</a:t>
+              <a:t>2020/3/24</a:t>
             </a:fld>
             <a:endParaRPr lang="zh-CN" altLang="en-US"/>
           </a:p>
@@ -2683,7 +2683,7 @@
           <a:p>
             <a:fld id="{94E627C9-CFC5-4286-8D2F-020F502A09B8}" type="datetimeFigureOut">
               <a:rPr lang="zh-CN" altLang="en-US" smtClean="0"/>
-              <a:t>2020/3/20</a:t>
+              <a:t>2020/3/24</a:t>
             </a:fld>
             <a:endParaRPr lang="zh-CN" altLang="en-US"/>
           </a:p>
@@ -2924,7 +2924,7 @@
           <a:p>
             <a:fld id="{94E627C9-CFC5-4286-8D2F-020F502A09B8}" type="datetimeFigureOut">
               <a:rPr lang="zh-CN" altLang="en-US" smtClean="0"/>
-              <a:t>2020/3/20</a:t>
+              <a:t>2020/3/24</a:t>
             </a:fld>
             <a:endParaRPr lang="zh-CN" altLang="en-US"/>
           </a:p>
@@ -3575,7 +3575,7 @@
         </p:blipFill>
         <p:spPr>
           <a:xfrm>
-            <a:off x="1319583" y="1519311"/>
+            <a:off x="1190275" y="1556256"/>
             <a:ext cx="8933122" cy="4628916"/>
           </a:xfrm>
           <a:prstGeom prst="rect">
@@ -3770,11 +3770,15 @@
                 <a14:m>
                   <m:oMath xmlns:m="http://schemas.openxmlformats.org/officeDocument/2006/math">
                     <m:r>
-                      <a:rPr lang="en-US" altLang="zh-CN" i="1"/>
+                      <a:rPr lang="en-US" altLang="zh-CN" i="1">
+                        <a:latin typeface="Cambria Math" panose="02040503050406030204" pitchFamily="18" charset="0"/>
+                      </a:rPr>
                       <m:t>𝑏</m:t>
                     </m:r>
                     <m:r>
-                      <a:rPr lang="en-US" altLang="zh-CN" i="1"/>
+                      <a:rPr lang="en-US" altLang="zh-CN" i="1">
+                        <a:latin typeface="Cambria Math" panose="02040503050406030204" pitchFamily="18" charset="0"/>
+                      </a:rPr>
                       <m:t>&gt;0</m:t>
                     </m:r>
                   </m:oMath>
@@ -3788,18 +3792,24 @@
                     <m:sSup>
                       <m:sSupPr>
                         <m:ctrlPr>
-                          <a:rPr lang="zh-CN" altLang="zh-CN" i="1"/>
+                          <a:rPr lang="zh-CN" altLang="zh-CN" i="1">
+                            <a:latin typeface="Cambria Math" panose="02040503050406030204" pitchFamily="18" charset="0"/>
+                          </a:rPr>
                         </m:ctrlPr>
                       </m:sSupPr>
                       <m:e>
                         <m:r>
-                          <a:rPr lang="en-US" altLang="zh-CN" i="1"/>
+                          <a:rPr lang="en-US" altLang="zh-CN" i="1">
+                            <a:latin typeface="Cambria Math" panose="02040503050406030204" pitchFamily="18" charset="0"/>
+                          </a:rPr>
                           <m:t>𝛼</m:t>
                         </m:r>
                       </m:e>
                       <m:sup>
                         <m:r>
-                          <a:rPr lang="en-US" altLang="zh-CN" i="1"/>
+                          <a:rPr lang="en-US" altLang="zh-CN" i="1">
+                            <a:latin typeface="Cambria Math" panose="02040503050406030204" pitchFamily="18" charset="0"/>
+                          </a:rPr>
                           <m:t>𝑇</m:t>
                         </m:r>
                       </m:sup>
@@ -3807,28 +3817,38 @@
                     <m:sSub>
                       <m:sSubPr>
                         <m:ctrlPr>
-                          <a:rPr lang="zh-CN" altLang="zh-CN" i="1"/>
+                          <a:rPr lang="zh-CN" altLang="zh-CN" i="1">
+                            <a:latin typeface="Cambria Math" panose="02040503050406030204" pitchFamily="18" charset="0"/>
+                          </a:rPr>
                         </m:ctrlPr>
                       </m:sSubPr>
                       <m:e>
                         <m:r>
-                          <a:rPr lang="en-US" altLang="zh-CN" i="1"/>
+                          <a:rPr lang="en-US" altLang="zh-CN" i="1">
+                            <a:latin typeface="Cambria Math" panose="02040503050406030204" pitchFamily="18" charset="0"/>
+                          </a:rPr>
                           <m:t>𝑦</m:t>
                         </m:r>
                       </m:e>
                       <m:sub>
                         <m:r>
-                          <a:rPr lang="en-US" altLang="zh-CN" i="1"/>
+                          <a:rPr lang="en-US" altLang="zh-CN" i="1">
+                            <a:latin typeface="Cambria Math" panose="02040503050406030204" pitchFamily="18" charset="0"/>
+                          </a:rPr>
                           <m:t>𝑖</m:t>
                         </m:r>
                       </m:sub>
                     </m:sSub>
                     <m:r>
-                      <a:rPr lang="en-US" altLang="zh-CN" i="1"/>
+                      <a:rPr lang="en-US" altLang="zh-CN" i="1">
+                        <a:latin typeface="Cambria Math" panose="02040503050406030204" pitchFamily="18" charset="0"/>
+                      </a:rPr>
                       <m:t>≥</m:t>
                     </m:r>
                     <m:r>
-                      <a:rPr lang="en-US" altLang="zh-CN" i="1"/>
+                      <a:rPr lang="en-US" altLang="zh-CN" i="1">
+                        <a:latin typeface="Cambria Math" panose="02040503050406030204" pitchFamily="18" charset="0"/>
+                      </a:rPr>
                       <m:t>𝑏</m:t>
                     </m:r>
                   </m:oMath>
@@ -3840,15 +3860,21 @@
                 <a14:m>
                   <m:oMath xmlns:m="http://schemas.openxmlformats.org/officeDocument/2006/math">
                     <m:r>
-                      <a:rPr lang="en-US" altLang="zh-CN" i="1"/>
+                      <a:rPr lang="en-US" altLang="zh-CN" i="1">
+                        <a:latin typeface="Cambria Math" panose="02040503050406030204" pitchFamily="18" charset="0"/>
+                      </a:rPr>
                       <m:t>𝑖</m:t>
                     </m:r>
                     <m:r>
-                      <a:rPr lang="en-US" altLang="zh-CN" i="1"/>
+                      <a:rPr lang="en-US" altLang="zh-CN" i="1">
+                        <a:latin typeface="Cambria Math" panose="02040503050406030204" pitchFamily="18" charset="0"/>
+                      </a:rPr>
                       <m:t>=1,⋯.</m:t>
                     </m:r>
                     <m:r>
-                      <a:rPr lang="en-US" altLang="zh-CN" i="1"/>
+                      <a:rPr lang="en-US" altLang="zh-CN" i="1">
+                        <a:latin typeface="Cambria Math" panose="02040503050406030204" pitchFamily="18" charset="0"/>
+                      </a:rPr>
                       <m:t>𝑁</m:t>
                     </m:r>
                   </m:oMath>
@@ -3867,7 +3893,9 @@
                 <a14:m>
                   <m:oMath xmlns:m="http://schemas.openxmlformats.org/officeDocument/2006/math">
                     <m:r>
-                      <a:rPr lang="en-US" altLang="zh-CN" i="1"/>
+                      <a:rPr lang="en-US" altLang="zh-CN" i="1">
+                        <a:latin typeface="Cambria Math" panose="02040503050406030204" pitchFamily="18" charset="0"/>
+                      </a:rPr>
                       <m:t>𝑏</m:t>
                     </m:r>
                   </m:oMath>
@@ -3878,10 +3906,6 @@
                 </a:r>
               </a:p>
               <a:p>
-                <a:r>
-                  <a:rPr lang="en-US" altLang="zh-CN" dirty="0"/>
-                  <a:t>	</a:t>
-                </a:r>
                 <a:r>
                   <a:rPr lang="zh-CN" altLang="zh-CN" dirty="0"/>
                   <a:t>目的：</a:t>
@@ -3898,7 +3922,7 @@
               <a:p>
                 <a:r>
                   <a:rPr lang="en-US" altLang="zh-CN" dirty="0"/>
-                  <a:t>				2. </a:t>
+                  <a:t>		 2. </a:t>
                 </a:r>
                 <a:r>
                   <a:rPr lang="zh-CN" altLang="zh-CN" dirty="0"/>
@@ -3935,18 +3959,24 @@
                     <m:sSub>
                       <m:sSubPr>
                         <m:ctrlPr>
-                          <a:rPr lang="zh-CN" altLang="zh-CN" i="1"/>
+                          <a:rPr lang="zh-CN" altLang="zh-CN" i="1">
+                            <a:latin typeface="Cambria Math" panose="02040503050406030204" pitchFamily="18" charset="0"/>
+                          </a:rPr>
                         </m:ctrlPr>
                       </m:sSubPr>
                       <m:e>
                         <m:r>
-                          <a:rPr lang="en-US" altLang="zh-CN" i="1"/>
+                          <a:rPr lang="en-US" altLang="zh-CN" i="1">
+                            <a:latin typeface="Cambria Math" panose="02040503050406030204" pitchFamily="18" charset="0"/>
+                          </a:rPr>
                           <m:t>𝑦</m:t>
                         </m:r>
                       </m:e>
                       <m:sub>
                         <m:r>
-                          <a:rPr lang="en-US" altLang="zh-CN" i="1"/>
+                          <a:rPr lang="en-US" altLang="zh-CN" i="1">
+                            <a:latin typeface="Cambria Math" panose="02040503050406030204" pitchFamily="18" charset="0"/>
+                          </a:rPr>
                           <m:t>𝑘</m:t>
                         </m:r>
                       </m:sub>
@@ -3962,18 +3992,24 @@
                     <m:sSup>
                       <m:sSupPr>
                         <m:ctrlPr>
-                          <a:rPr lang="zh-CN" altLang="zh-CN" i="1"/>
+                          <a:rPr lang="zh-CN" altLang="zh-CN" i="1">
+                            <a:latin typeface="Cambria Math" panose="02040503050406030204" pitchFamily="18" charset="0"/>
+                          </a:rPr>
                         </m:ctrlPr>
                       </m:sSupPr>
                       <m:e>
                         <m:r>
-                          <a:rPr lang="en-US" altLang="zh-CN" i="1"/>
+                          <a:rPr lang="en-US" altLang="zh-CN" i="1">
+                            <a:latin typeface="Cambria Math" panose="02040503050406030204" pitchFamily="18" charset="0"/>
+                          </a:rPr>
                           <m:t>𝛼</m:t>
                         </m:r>
                       </m:e>
                       <m:sup>
                         <m:r>
-                          <a:rPr lang="en-US" altLang="zh-CN" i="1"/>
+                          <a:rPr lang="en-US" altLang="zh-CN" i="1">
+                            <a:latin typeface="Cambria Math" panose="02040503050406030204" pitchFamily="18" charset="0"/>
+                          </a:rPr>
                           <m:t>𝑇</m:t>
                         </m:r>
                       </m:sup>
@@ -3981,24 +4017,32 @@
                     <m:sSub>
                       <m:sSubPr>
                         <m:ctrlPr>
-                          <a:rPr lang="zh-CN" altLang="zh-CN" i="1"/>
+                          <a:rPr lang="zh-CN" altLang="zh-CN" i="1">
+                            <a:latin typeface="Cambria Math" panose="02040503050406030204" pitchFamily="18" charset="0"/>
+                          </a:rPr>
                         </m:ctrlPr>
                       </m:sSubPr>
                       <m:e>
                         <m:r>
-                          <a:rPr lang="en-US" altLang="zh-CN" i="1"/>
+                          <a:rPr lang="en-US" altLang="zh-CN" i="1">
+                            <a:latin typeface="Cambria Math" panose="02040503050406030204" pitchFamily="18" charset="0"/>
+                          </a:rPr>
                           <m:t>𝑦</m:t>
                         </m:r>
                       </m:e>
                       <m:sub>
                         <m:r>
-                          <a:rPr lang="en-US" altLang="zh-CN" i="1"/>
+                          <a:rPr lang="en-US" altLang="zh-CN" i="1">
+                            <a:latin typeface="Cambria Math" panose="02040503050406030204" pitchFamily="18" charset="0"/>
+                          </a:rPr>
                           <m:t>𝑘</m:t>
                         </m:r>
                       </m:sub>
                     </m:sSub>
                     <m:r>
-                      <a:rPr lang="en-US" altLang="zh-CN" i="1"/>
+                      <a:rPr lang="en-US" altLang="zh-CN" i="1">
+                        <a:latin typeface="Cambria Math" panose="02040503050406030204" pitchFamily="18" charset="0"/>
+                      </a:rPr>
                       <m:t>&lt;0</m:t>
                     </m:r>
                   </m:oMath>
@@ -4014,32 +4058,44 @@
                     <m:sSub>
                       <m:sSubPr>
                         <m:ctrlPr>
-                          <a:rPr lang="zh-CN" altLang="zh-CN" i="1"/>
+                          <a:rPr lang="zh-CN" altLang="zh-CN" i="1">
+                            <a:latin typeface="Cambria Math" panose="02040503050406030204" pitchFamily="18" charset="0"/>
+                          </a:rPr>
                         </m:ctrlPr>
                       </m:sSubPr>
                       <m:e>
                         <m:r>
-                          <a:rPr lang="en-US" altLang="zh-CN" i="1"/>
+                          <a:rPr lang="en-US" altLang="zh-CN" i="1">
+                            <a:latin typeface="Cambria Math" panose="02040503050406030204" pitchFamily="18" charset="0"/>
+                          </a:rPr>
                           <m:t>𝐽</m:t>
                         </m:r>
                       </m:e>
                       <m:sub>
                         <m:r>
-                          <a:rPr lang="en-US" altLang="zh-CN" i="1"/>
+                          <a:rPr lang="en-US" altLang="zh-CN" i="1">
+                            <a:latin typeface="Cambria Math" panose="02040503050406030204" pitchFamily="18" charset="0"/>
+                          </a:rPr>
                           <m:t>𝑃</m:t>
                         </m:r>
                       </m:sub>
                     </m:sSub>
                     <m:r>
-                      <a:rPr lang="en-US" altLang="zh-CN" i="1"/>
+                      <a:rPr lang="en-US" altLang="zh-CN" i="1">
+                        <a:latin typeface="Cambria Math" panose="02040503050406030204" pitchFamily="18" charset="0"/>
+                      </a:rPr>
                       <m:t>(</m:t>
                     </m:r>
                     <m:r>
-                      <a:rPr lang="en-US" altLang="zh-CN" i="1"/>
+                      <a:rPr lang="en-US" altLang="zh-CN" i="1">
+                        <a:latin typeface="Cambria Math" panose="02040503050406030204" pitchFamily="18" charset="0"/>
+                      </a:rPr>
                       <m:t>𝛼</m:t>
                     </m:r>
                     <m:r>
-                      <a:rPr lang="en-US" altLang="zh-CN" i="1"/>
+                      <a:rPr lang="en-US" altLang="zh-CN" i="1">
+                        <a:latin typeface="Cambria Math" panose="02040503050406030204" pitchFamily="18" charset="0"/>
+                      </a:rPr>
                       <m:t>)=</m:t>
                     </m:r>
                     <m:nary>
@@ -4047,48 +4103,64 @@
                         <m:chr m:val="∑"/>
                         <m:supHide m:val="on"/>
                         <m:ctrlPr>
-                          <a:rPr lang="zh-CN" altLang="zh-CN" i="1"/>
+                          <a:rPr lang="zh-CN" altLang="zh-CN" i="1">
+                            <a:latin typeface="Cambria Math" panose="02040503050406030204" pitchFamily="18" charset="0"/>
+                          </a:rPr>
                         </m:ctrlPr>
                       </m:naryPr>
                       <m:sub>
                         <m:sSub>
                           <m:sSubPr>
                             <m:ctrlPr>
-                              <a:rPr lang="zh-CN" altLang="zh-CN" i="1"/>
+                              <a:rPr lang="zh-CN" altLang="zh-CN" i="1">
+                                <a:latin typeface="Cambria Math" panose="02040503050406030204" pitchFamily="18" charset="0"/>
+                              </a:rPr>
                             </m:ctrlPr>
                           </m:sSubPr>
                           <m:e>
                             <m:r>
-                              <a:rPr lang="en-US" altLang="zh-CN" i="1"/>
+                              <a:rPr lang="en-US" altLang="zh-CN" i="1">
+                                <a:latin typeface="Cambria Math" panose="02040503050406030204" pitchFamily="18" charset="0"/>
+                              </a:rPr>
                               <m:t>𝑦</m:t>
                             </m:r>
                           </m:e>
                           <m:sub>
                             <m:r>
-                              <a:rPr lang="en-US" altLang="zh-CN" i="1"/>
+                              <a:rPr lang="en-US" altLang="zh-CN" i="1">
+                                <a:latin typeface="Cambria Math" panose="02040503050406030204" pitchFamily="18" charset="0"/>
+                              </a:rPr>
                               <m:t>𝑗</m:t>
                             </m:r>
                           </m:sub>
                         </m:sSub>
                         <m:r>
-                          <a:rPr lang="zh-CN" altLang="zh-CN" i="1"/>
+                          <a:rPr lang="zh-CN" altLang="zh-CN" i="1">
+                            <a:latin typeface="Cambria Math" panose="02040503050406030204" pitchFamily="18" charset="0"/>
+                          </a:rPr>
                           <m:t>∈</m:t>
                         </m:r>
                         <m:sSup>
                           <m:sSupPr>
                             <m:ctrlPr>
-                              <a:rPr lang="zh-CN" altLang="zh-CN" i="1"/>
+                              <a:rPr lang="zh-CN" altLang="zh-CN" i="1">
+                                <a:latin typeface="Cambria Math" panose="02040503050406030204" pitchFamily="18" charset="0"/>
+                              </a:rPr>
                             </m:ctrlPr>
                           </m:sSupPr>
                           <m:e>
                             <m:r>
-                              <a:rPr lang="en-US" altLang="zh-CN" i="1"/>
+                              <a:rPr lang="en-US" altLang="zh-CN" i="1">
+                                <a:latin typeface="Cambria Math" panose="02040503050406030204" pitchFamily="18" charset="0"/>
+                              </a:rPr>
                               <m:t>𝑌</m:t>
                             </m:r>
                           </m:e>
                           <m:sup>
                             <m:r>
-                              <a:rPr lang="en-US" altLang="zh-CN" i="1"/>
+                              <a:rPr lang="en-US" altLang="zh-CN" i="1">
+                                <a:latin typeface="Cambria Math" panose="02040503050406030204" pitchFamily="18" charset="0"/>
+                              </a:rPr>
                               <m:t>𝑘</m:t>
                             </m:r>
                           </m:sup>
@@ -4098,24 +4170,32 @@
                       <m:e/>
                     </m:nary>
                     <m:r>
-                      <a:rPr lang="en-US" altLang="zh-CN" i="1"/>
+                      <a:rPr lang="en-US" altLang="zh-CN" i="1">
+                        <a:latin typeface="Cambria Math" panose="02040503050406030204" pitchFamily="18" charset="0"/>
+                      </a:rPr>
                       <m:t>(−</m:t>
                     </m:r>
                     <m:sSup>
                       <m:sSupPr>
                         <m:ctrlPr>
-                          <a:rPr lang="zh-CN" altLang="zh-CN" i="1"/>
+                          <a:rPr lang="zh-CN" altLang="zh-CN" i="1">
+                            <a:latin typeface="Cambria Math" panose="02040503050406030204" pitchFamily="18" charset="0"/>
+                          </a:rPr>
                         </m:ctrlPr>
                       </m:sSupPr>
                       <m:e>
                         <m:r>
-                          <a:rPr lang="en-US" altLang="zh-CN" i="1"/>
+                          <a:rPr lang="en-US" altLang="zh-CN" i="1">
+                            <a:latin typeface="Cambria Math" panose="02040503050406030204" pitchFamily="18" charset="0"/>
+                          </a:rPr>
                           <m:t>𝛼</m:t>
                         </m:r>
                       </m:e>
                       <m:sup>
                         <m:r>
-                          <a:rPr lang="en-US" altLang="zh-CN" i="1"/>
+                          <a:rPr lang="en-US" altLang="zh-CN" i="1">
+                            <a:latin typeface="Cambria Math" panose="02040503050406030204" pitchFamily="18" charset="0"/>
+                          </a:rPr>
                           <m:t>𝑇</m:t>
                         </m:r>
                       </m:sup>
@@ -4123,24 +4203,32 @@
                     <m:sSub>
                       <m:sSubPr>
                         <m:ctrlPr>
-                          <a:rPr lang="zh-CN" altLang="zh-CN" i="1"/>
+                          <a:rPr lang="zh-CN" altLang="zh-CN" i="1">
+                            <a:latin typeface="Cambria Math" panose="02040503050406030204" pitchFamily="18" charset="0"/>
+                          </a:rPr>
                         </m:ctrlPr>
                       </m:sSubPr>
                       <m:e>
                         <m:r>
-                          <a:rPr lang="en-US" altLang="zh-CN" i="1"/>
+                          <a:rPr lang="en-US" altLang="zh-CN" i="1">
+                            <a:latin typeface="Cambria Math" panose="02040503050406030204" pitchFamily="18" charset="0"/>
+                          </a:rPr>
                           <m:t>𝑦</m:t>
                         </m:r>
                       </m:e>
                       <m:sub>
                         <m:r>
-                          <a:rPr lang="en-US" altLang="zh-CN" i="1"/>
+                          <a:rPr lang="en-US" altLang="zh-CN" i="1">
+                            <a:latin typeface="Cambria Math" panose="02040503050406030204" pitchFamily="18" charset="0"/>
+                          </a:rPr>
                           <m:t>𝑗</m:t>
                         </m:r>
                       </m:sub>
                     </m:sSub>
                     <m:r>
-                      <a:rPr lang="en-US" altLang="zh-CN" i="1"/>
+                      <a:rPr lang="en-US" altLang="zh-CN" i="1">
+                        <a:latin typeface="Cambria Math" panose="02040503050406030204" pitchFamily="18" charset="0"/>
+                      </a:rPr>
                       <m:t>)</m:t>
                     </m:r>
                   </m:oMath>
@@ -4161,18 +4249,24 @@
                     <m:sSup>
                       <m:sSupPr>
                         <m:ctrlPr>
-                          <a:rPr lang="zh-CN" altLang="zh-CN" i="1"/>
+                          <a:rPr lang="zh-CN" altLang="zh-CN" i="1">
+                            <a:latin typeface="Cambria Math" panose="02040503050406030204" pitchFamily="18" charset="0"/>
+                          </a:rPr>
                         </m:ctrlPr>
                       </m:sSupPr>
                       <m:e>
                         <m:r>
-                          <a:rPr lang="en-US" altLang="zh-CN" i="1"/>
+                          <a:rPr lang="en-US" altLang="zh-CN" i="1">
+                            <a:latin typeface="Cambria Math" panose="02040503050406030204" pitchFamily="18" charset="0"/>
+                          </a:rPr>
                           <m:t>𝑌</m:t>
                         </m:r>
                       </m:e>
                       <m:sup>
                         <m:r>
-                          <a:rPr lang="en-US" altLang="zh-CN" i="1"/>
+                          <a:rPr lang="en-US" altLang="zh-CN" i="1">
+                            <a:latin typeface="Cambria Math" panose="02040503050406030204" pitchFamily="18" charset="0"/>
+                          </a:rPr>
                           <m:t>𝑘</m:t>
                         </m:r>
                       </m:sup>
@@ -4186,7 +4280,9 @@
                 <a14:m>
                   <m:oMath xmlns:m="http://schemas.openxmlformats.org/officeDocument/2006/math">
                     <m:r>
-                      <a:rPr lang="en-US" altLang="zh-CN" i="1"/>
+                      <a:rPr lang="en-US" altLang="zh-CN" i="1">
+                        <a:latin typeface="Cambria Math" panose="02040503050406030204" pitchFamily="18" charset="0"/>
+                      </a:rPr>
                       <m:t>𝛼</m:t>
                     </m:r>
                   </m:oMath>
@@ -4227,7 +4323,7 @@
               <a:blipFill>
                 <a:blip r:embed="rId2"/>
                 <a:stretch>
-                  <a:fillRect l="-812" t="-2033"/>
+                  <a:fillRect l="-812" t="-2153"/>
                 </a:stretch>
               </a:blipFill>
             </p:spPr>
@@ -5484,8 +5580,8 @@
           </a:p>
         </p:txBody>
       </p:sp>
-      <mc:AlternateContent xmlns:mc="http://schemas.openxmlformats.org/markup-compatibility/2006">
-        <mc:Choice xmlns:a14="http://schemas.microsoft.com/office/drawing/2010/main" Requires="a14">
+      <mc:AlternateContent xmlns:mc="http://schemas.openxmlformats.org/markup-compatibility/2006" xmlns:a14="http://schemas.microsoft.com/office/drawing/2010/main">
+        <mc:Choice Requires="a14">
           <p:sp>
             <p:nvSpPr>
               <p:cNvPr id="3" name="内容占位符 2">
@@ -5516,58 +5612,78 @@
                     <m:sSub>
                       <m:sSubPr>
                         <m:ctrlPr>
-                          <a:rPr lang="zh-CN" altLang="zh-CN" i="1"/>
+                          <a:rPr lang="zh-CN" altLang="zh-CN" i="1">
+                            <a:latin typeface="Cambria Math" panose="02040503050406030204" pitchFamily="18" charset="0"/>
+                          </a:rPr>
                         </m:ctrlPr>
                       </m:sSubPr>
                       <m:e>
                         <m:r>
-                          <a:rPr lang="en-US" altLang="zh-CN" i="1"/>
+                          <a:rPr lang="en-US" altLang="zh-CN" i="1">
+                            <a:latin typeface="Cambria Math" panose="02040503050406030204" pitchFamily="18" charset="0"/>
+                          </a:rPr>
                           <m:t>𝐽</m:t>
                         </m:r>
                       </m:e>
                       <m:sub>
                         <m:r>
-                          <a:rPr lang="en-US" altLang="zh-CN" i="1"/>
+                          <a:rPr lang="en-US" altLang="zh-CN" i="1">
+                            <a:latin typeface="Cambria Math" panose="02040503050406030204" pitchFamily="18" charset="0"/>
+                          </a:rPr>
                           <m:t>𝑃</m:t>
                         </m:r>
                       </m:sub>
                     </m:sSub>
                     <m:r>
-                      <a:rPr lang="en-US" altLang="zh-CN" i="1"/>
+                      <a:rPr lang="en-US" altLang="zh-CN" i="1">
+                        <a:latin typeface="Cambria Math" panose="02040503050406030204" pitchFamily="18" charset="0"/>
+                      </a:rPr>
                       <m:t>(</m:t>
                     </m:r>
                     <m:sSup>
                       <m:sSupPr>
                         <m:ctrlPr>
-                          <a:rPr lang="zh-CN" altLang="zh-CN" i="1"/>
+                          <a:rPr lang="zh-CN" altLang="zh-CN" i="1">
+                            <a:latin typeface="Cambria Math" panose="02040503050406030204" pitchFamily="18" charset="0"/>
+                          </a:rPr>
                         </m:ctrlPr>
                       </m:sSupPr>
                       <m:e>
                         <m:r>
-                          <a:rPr lang="en-US" altLang="zh-CN" i="1"/>
+                          <a:rPr lang="en-US" altLang="zh-CN" i="1">
+                            <a:latin typeface="Cambria Math" panose="02040503050406030204" pitchFamily="18" charset="0"/>
+                          </a:rPr>
                           <m:t>𝛼</m:t>
                         </m:r>
                       </m:e>
                       <m:sup>
                         <m:r>
-                          <a:rPr lang="en-US" altLang="zh-CN" i="1"/>
+                          <a:rPr lang="en-US" altLang="zh-CN" i="1">
+                            <a:latin typeface="Cambria Math" panose="02040503050406030204" pitchFamily="18" charset="0"/>
+                          </a:rPr>
                           <m:t>∗</m:t>
                         </m:r>
                       </m:sup>
                     </m:sSup>
                     <m:r>
-                      <a:rPr lang="en-US" altLang="zh-CN" i="1"/>
+                      <a:rPr lang="en-US" altLang="zh-CN" i="1">
+                        <a:latin typeface="Cambria Math" panose="02040503050406030204" pitchFamily="18" charset="0"/>
+                      </a:rPr>
                       <m:t>)=</m:t>
                     </m:r>
                     <m:func>
                       <m:funcPr>
                         <m:ctrlPr>
-                          <a:rPr lang="zh-CN" altLang="zh-CN" i="1"/>
+                          <a:rPr lang="zh-CN" altLang="zh-CN" i="1">
+                            <a:latin typeface="Cambria Math" panose="02040503050406030204" pitchFamily="18" charset="0"/>
+                          </a:rPr>
                         </m:ctrlPr>
                       </m:funcPr>
                       <m:fName>
                         <m:r>
-                          <a:rPr lang="en-US" altLang="zh-CN" i="1"/>
+                          <a:rPr lang="en-US" altLang="zh-CN" i="1">
+                            <a:latin typeface="Cambria Math" panose="02040503050406030204" pitchFamily="18" charset="0"/>
+                          </a:rPr>
                           <m:t>𝑚𝑖𝑛</m:t>
                         </m:r>
                       </m:fName>
@@ -5575,18 +5691,24 @@
                         <m:sSub>
                           <m:sSubPr>
                             <m:ctrlPr>
-                              <a:rPr lang="zh-CN" altLang="zh-CN" i="1"/>
+                              <a:rPr lang="zh-CN" altLang="zh-CN" i="1">
+                                <a:latin typeface="Cambria Math" panose="02040503050406030204" pitchFamily="18" charset="0"/>
+                              </a:rPr>
                             </m:ctrlPr>
                           </m:sSubPr>
                           <m:e>
                             <m:r>
-                              <a:rPr lang="en-US" altLang="zh-CN" i="1"/>
+                              <a:rPr lang="en-US" altLang="zh-CN" i="1">
+                                <a:latin typeface="Cambria Math" panose="02040503050406030204" pitchFamily="18" charset="0"/>
+                              </a:rPr>
                               <m:t>𝐽</m:t>
                             </m:r>
                           </m:e>
                           <m:sub>
                             <m:r>
-                              <a:rPr lang="en-US" altLang="zh-CN" i="1"/>
+                              <a:rPr lang="en-US" altLang="zh-CN" i="1">
+                                <a:latin typeface="Cambria Math" panose="02040503050406030204" pitchFamily="18" charset="0"/>
+                              </a:rPr>
                               <m:t>𝑃</m:t>
                             </m:r>
                           </m:sub>
@@ -5594,15 +5716,21 @@
                       </m:e>
                     </m:func>
                     <m:r>
-                      <a:rPr lang="en-US" altLang="zh-CN" i="1"/>
+                      <a:rPr lang="en-US" altLang="zh-CN" i="1">
+                        <a:latin typeface="Cambria Math" panose="02040503050406030204" pitchFamily="18" charset="0"/>
+                      </a:rPr>
                       <m:t>(</m:t>
                     </m:r>
                     <m:r>
-                      <a:rPr lang="en-US" altLang="zh-CN" i="1"/>
+                      <a:rPr lang="en-US" altLang="zh-CN" i="1">
+                        <a:latin typeface="Cambria Math" panose="02040503050406030204" pitchFamily="18" charset="0"/>
+                      </a:rPr>
                       <m:t>𝛼</m:t>
                     </m:r>
                     <m:r>
-                      <a:rPr lang="en-US" altLang="zh-CN" i="1"/>
+                      <a:rPr lang="en-US" altLang="zh-CN" i="1">
+                        <a:latin typeface="Cambria Math" panose="02040503050406030204" pitchFamily="18" charset="0"/>
+                      </a:rPr>
                       <m:t>)=0</m:t>
                     </m:r>
                   </m:oMath>
@@ -5634,62 +5762,88 @@
                 <a14:m>
                   <m:oMath xmlns:m="http://schemas.openxmlformats.org/officeDocument/2006/math">
                     <m:r>
-                      <a:rPr lang="en-US" altLang="zh-CN" i="1"/>
+                      <a:rPr lang="en-US" altLang="zh-CN" i="1">
+                        <a:latin typeface="Cambria Math" panose="02040503050406030204" pitchFamily="18" charset="0"/>
+                      </a:rPr>
                       <m:t>𝛼</m:t>
                     </m:r>
                     <m:r>
-                      <a:rPr lang="en-US" altLang="zh-CN" i="1"/>
+                      <a:rPr lang="en-US" altLang="zh-CN" i="1">
+                        <a:latin typeface="Cambria Math" panose="02040503050406030204" pitchFamily="18" charset="0"/>
+                      </a:rPr>
                       <m:t>(</m:t>
                     </m:r>
                     <m:r>
-                      <a:rPr lang="en-US" altLang="zh-CN" i="1"/>
+                      <a:rPr lang="en-US" altLang="zh-CN" i="1">
+                        <a:latin typeface="Cambria Math" panose="02040503050406030204" pitchFamily="18" charset="0"/>
+                      </a:rPr>
                       <m:t>𝑘</m:t>
                     </m:r>
                     <m:r>
-                      <a:rPr lang="en-US" altLang="zh-CN" i="1"/>
+                      <a:rPr lang="en-US" altLang="zh-CN" i="1">
+                        <a:latin typeface="Cambria Math" panose="02040503050406030204" pitchFamily="18" charset="0"/>
+                      </a:rPr>
                       <m:t>+1)=</m:t>
                     </m:r>
                     <m:r>
-                      <a:rPr lang="en-US" altLang="zh-CN" i="1"/>
+                      <a:rPr lang="en-US" altLang="zh-CN" i="1">
+                        <a:latin typeface="Cambria Math" panose="02040503050406030204" pitchFamily="18" charset="0"/>
+                      </a:rPr>
                       <m:t>𝛼</m:t>
                     </m:r>
                     <m:r>
-                      <a:rPr lang="en-US" altLang="zh-CN" i="1"/>
+                      <a:rPr lang="en-US" altLang="zh-CN" i="1">
+                        <a:latin typeface="Cambria Math" panose="02040503050406030204" pitchFamily="18" charset="0"/>
+                      </a:rPr>
                       <m:t>(</m:t>
                     </m:r>
                     <m:r>
-                      <a:rPr lang="en-US" altLang="zh-CN" i="1"/>
+                      <a:rPr lang="en-US" altLang="zh-CN" i="1">
+                        <a:latin typeface="Cambria Math" panose="02040503050406030204" pitchFamily="18" charset="0"/>
+                      </a:rPr>
                       <m:t>𝑘</m:t>
                     </m:r>
                     <m:r>
-                      <a:rPr lang="en-US" altLang="zh-CN" i="1"/>
+                      <a:rPr lang="en-US" altLang="zh-CN" i="1">
+                        <a:latin typeface="Cambria Math" panose="02040503050406030204" pitchFamily="18" charset="0"/>
+                      </a:rPr>
                       <m:t>)−</m:t>
                     </m:r>
                     <m:sSub>
                       <m:sSubPr>
                         <m:ctrlPr>
-                          <a:rPr lang="zh-CN" altLang="zh-CN" i="1"/>
+                          <a:rPr lang="zh-CN" altLang="zh-CN" i="1">
+                            <a:latin typeface="Cambria Math" panose="02040503050406030204" pitchFamily="18" charset="0"/>
+                          </a:rPr>
                         </m:ctrlPr>
                       </m:sSubPr>
                       <m:e>
                         <m:r>
-                          <a:rPr lang="en-US" altLang="zh-CN" i="1"/>
+                          <a:rPr lang="en-US" altLang="zh-CN" i="1">
+                            <a:latin typeface="Cambria Math" panose="02040503050406030204" pitchFamily="18" charset="0"/>
+                          </a:rPr>
                           <m:t>𝜌</m:t>
                         </m:r>
                       </m:e>
                       <m:sub>
                         <m:r>
-                          <a:rPr lang="en-US" altLang="zh-CN" i="1"/>
+                          <a:rPr lang="en-US" altLang="zh-CN" i="1">
+                            <a:latin typeface="Cambria Math" panose="02040503050406030204" pitchFamily="18" charset="0"/>
+                          </a:rPr>
                           <m:t>𝑘</m:t>
                         </m:r>
                       </m:sub>
                     </m:sSub>
                     <m:r>
-                      <a:rPr lang="en-US" altLang="zh-CN" i="1"/>
+                      <a:rPr lang="en-US" altLang="zh-CN" i="1">
+                        <a:latin typeface="Cambria Math" panose="02040503050406030204" pitchFamily="18" charset="0"/>
+                      </a:rPr>
                       <m:t>𝛻</m:t>
                     </m:r>
                     <m:r>
-                      <a:rPr lang="en-US" altLang="zh-CN" i="1"/>
+                      <a:rPr lang="en-US" altLang="zh-CN" i="1">
+                        <a:latin typeface="Cambria Math" panose="02040503050406030204" pitchFamily="18" charset="0"/>
+                      </a:rPr>
                       <m:t>𝐽</m:t>
                     </m:r>
                   </m:oMath>
@@ -5704,58 +5858,82 @@
                 <a14:m>
                   <m:oMath xmlns:m="http://schemas.openxmlformats.org/officeDocument/2006/math">
                     <m:r>
-                      <a:rPr lang="en-US" altLang="zh-CN" i="1"/>
+                      <a:rPr lang="en-US" altLang="zh-CN" i="1">
+                        <a:latin typeface="Cambria Math" panose="02040503050406030204" pitchFamily="18" charset="0"/>
+                      </a:rPr>
                       <m:t>𝛻</m:t>
                     </m:r>
                     <m:r>
-                      <a:rPr lang="en-US" altLang="zh-CN" i="1"/>
+                      <a:rPr lang="en-US" altLang="zh-CN" i="1">
+                        <a:latin typeface="Cambria Math" panose="02040503050406030204" pitchFamily="18" charset="0"/>
+                      </a:rPr>
                       <m:t>𝐽</m:t>
                     </m:r>
                     <m:r>
-                      <a:rPr lang="en-US" altLang="zh-CN" i="1"/>
+                      <a:rPr lang="en-US" altLang="zh-CN" i="1">
+                        <a:latin typeface="Cambria Math" panose="02040503050406030204" pitchFamily="18" charset="0"/>
+                      </a:rPr>
                       <m:t>=</m:t>
                     </m:r>
                     <m:r>
-                      <a:rPr lang="en-US" altLang="zh-CN" i="1"/>
+                      <a:rPr lang="en-US" altLang="zh-CN" i="1">
+                        <a:latin typeface="Cambria Math" panose="02040503050406030204" pitchFamily="18" charset="0"/>
+                      </a:rPr>
                       <m:t>𝜕</m:t>
                     </m:r>
                     <m:sSub>
                       <m:sSubPr>
                         <m:ctrlPr>
-                          <a:rPr lang="zh-CN" altLang="zh-CN" i="1"/>
+                          <a:rPr lang="zh-CN" altLang="zh-CN" i="1">
+                            <a:latin typeface="Cambria Math" panose="02040503050406030204" pitchFamily="18" charset="0"/>
+                          </a:rPr>
                         </m:ctrlPr>
                       </m:sSubPr>
                       <m:e>
                         <m:r>
-                          <a:rPr lang="en-US" altLang="zh-CN" i="1"/>
+                          <a:rPr lang="en-US" altLang="zh-CN" i="1">
+                            <a:latin typeface="Cambria Math" panose="02040503050406030204" pitchFamily="18" charset="0"/>
+                          </a:rPr>
                           <m:t>𝐽</m:t>
                         </m:r>
                       </m:e>
                       <m:sub>
                         <m:r>
-                          <a:rPr lang="en-US" altLang="zh-CN" i="1"/>
+                          <a:rPr lang="en-US" altLang="zh-CN" i="1">
+                            <a:latin typeface="Cambria Math" panose="02040503050406030204" pitchFamily="18" charset="0"/>
+                          </a:rPr>
                           <m:t>𝑃</m:t>
                         </m:r>
                       </m:sub>
                     </m:sSub>
                     <m:r>
-                      <a:rPr lang="en-US" altLang="zh-CN" i="1"/>
+                      <a:rPr lang="en-US" altLang="zh-CN" i="1">
+                        <a:latin typeface="Cambria Math" panose="02040503050406030204" pitchFamily="18" charset="0"/>
+                      </a:rPr>
                       <m:t>(</m:t>
                     </m:r>
                     <m:r>
-                      <a:rPr lang="en-US" altLang="zh-CN" i="1"/>
+                      <a:rPr lang="en-US" altLang="zh-CN" i="1">
+                        <a:latin typeface="Cambria Math" panose="02040503050406030204" pitchFamily="18" charset="0"/>
+                      </a:rPr>
                       <m:t>𝛼</m:t>
                     </m:r>
                     <m:r>
-                      <a:rPr lang="en-US" altLang="zh-CN" i="1"/>
+                      <a:rPr lang="en-US" altLang="zh-CN" i="1">
+                        <a:latin typeface="Cambria Math" panose="02040503050406030204" pitchFamily="18" charset="0"/>
+                      </a:rPr>
                       <m:t>)/</m:t>
                     </m:r>
                     <m:r>
-                      <a:rPr lang="en-US" altLang="zh-CN" i="1"/>
+                      <a:rPr lang="en-US" altLang="zh-CN" i="1">
+                        <a:latin typeface="Cambria Math" panose="02040503050406030204" pitchFamily="18" charset="0"/>
+                      </a:rPr>
                       <m:t>𝜕𝛼</m:t>
                     </m:r>
                     <m:r>
-                      <a:rPr lang="en-US" altLang="zh-CN" i="1"/>
+                      <a:rPr lang="en-US" altLang="zh-CN" i="1">
+                        <a:latin typeface="Cambria Math" panose="02040503050406030204" pitchFamily="18" charset="0"/>
+                      </a:rPr>
                       <m:t>=</m:t>
                     </m:r>
                     <m:nary>
@@ -5763,48 +5941,64 @@
                         <m:chr m:val="∑"/>
                         <m:supHide m:val="on"/>
                         <m:ctrlPr>
-                          <a:rPr lang="zh-CN" altLang="zh-CN" i="1"/>
+                          <a:rPr lang="zh-CN" altLang="zh-CN" i="1">
+                            <a:latin typeface="Cambria Math" panose="02040503050406030204" pitchFamily="18" charset="0"/>
+                          </a:rPr>
                         </m:ctrlPr>
                       </m:naryPr>
                       <m:sub>
                         <m:sSub>
                           <m:sSubPr>
                             <m:ctrlPr>
-                              <a:rPr lang="zh-CN" altLang="zh-CN" i="1"/>
+                              <a:rPr lang="zh-CN" altLang="zh-CN" i="1">
+                                <a:latin typeface="Cambria Math" panose="02040503050406030204" pitchFamily="18" charset="0"/>
+                              </a:rPr>
                             </m:ctrlPr>
                           </m:sSubPr>
                           <m:e>
                             <m:r>
-                              <a:rPr lang="en-US" altLang="zh-CN" i="1"/>
+                              <a:rPr lang="en-US" altLang="zh-CN" i="1">
+                                <a:latin typeface="Cambria Math" panose="02040503050406030204" pitchFamily="18" charset="0"/>
+                              </a:rPr>
                               <m:t>𝑦</m:t>
                             </m:r>
                           </m:e>
                           <m:sub>
                             <m:r>
-                              <a:rPr lang="en-US" altLang="zh-CN" i="1"/>
+                              <a:rPr lang="en-US" altLang="zh-CN" i="1">
+                                <a:latin typeface="Cambria Math" panose="02040503050406030204" pitchFamily="18" charset="0"/>
+                              </a:rPr>
                               <m:t>𝑗</m:t>
                             </m:r>
                           </m:sub>
                         </m:sSub>
                         <m:r>
-                          <a:rPr lang="zh-CN" altLang="zh-CN" i="1"/>
+                          <a:rPr lang="zh-CN" altLang="zh-CN" i="1">
+                            <a:latin typeface="Cambria Math" panose="02040503050406030204" pitchFamily="18" charset="0"/>
+                          </a:rPr>
                           <m:t>∈</m:t>
                         </m:r>
                         <m:sSup>
                           <m:sSupPr>
                             <m:ctrlPr>
-                              <a:rPr lang="zh-CN" altLang="zh-CN" i="1"/>
+                              <a:rPr lang="zh-CN" altLang="zh-CN" i="1">
+                                <a:latin typeface="Cambria Math" panose="02040503050406030204" pitchFamily="18" charset="0"/>
+                              </a:rPr>
                             </m:ctrlPr>
                           </m:sSupPr>
                           <m:e>
                             <m:r>
-                              <a:rPr lang="en-US" altLang="zh-CN" i="1"/>
+                              <a:rPr lang="en-US" altLang="zh-CN" i="1">
+                                <a:latin typeface="Cambria Math" panose="02040503050406030204" pitchFamily="18" charset="0"/>
+                              </a:rPr>
                               <m:t>𝑌</m:t>
                             </m:r>
                           </m:e>
                           <m:sup>
                             <m:r>
-                              <a:rPr lang="en-US" altLang="zh-CN" i="1"/>
+                              <a:rPr lang="en-US" altLang="zh-CN" i="1">
+                                <a:latin typeface="Cambria Math" panose="02040503050406030204" pitchFamily="18" charset="0"/>
+                              </a:rPr>
                               <m:t>𝑘</m:t>
                             </m:r>
                           </m:sup>
@@ -5867,7 +6061,9 @@
                 <a14:m>
                   <m:oMath xmlns:m="http://schemas.openxmlformats.org/officeDocument/2006/math">
                     <m:r>
-                      <a:rPr lang="en-US" altLang="zh-CN" i="1"/>
+                      <a:rPr lang="en-US" altLang="zh-CN" i="1">
+                        <a:latin typeface="Cambria Math" panose="02040503050406030204" pitchFamily="18" charset="0"/>
+                      </a:rPr>
                       <m:t>∴</m:t>
                     </m:r>
                   </m:oMath>
@@ -5885,52 +6081,74 @@
                       <m:t>                         </m:t>
                     </m:r>
                     <m:r>
-                      <a:rPr lang="en-US" altLang="zh-CN" i="1"/>
+                      <a:rPr lang="en-US" altLang="zh-CN" i="1">
+                        <a:latin typeface="Cambria Math" panose="02040503050406030204" pitchFamily="18" charset="0"/>
+                      </a:rPr>
                       <m:t>𝛼</m:t>
                     </m:r>
                     <m:r>
-                      <a:rPr lang="en-US" altLang="zh-CN" i="1"/>
+                      <a:rPr lang="en-US" altLang="zh-CN" i="1">
+                        <a:latin typeface="Cambria Math" panose="02040503050406030204" pitchFamily="18" charset="0"/>
+                      </a:rPr>
                       <m:t>(</m:t>
                     </m:r>
                     <m:r>
-                      <a:rPr lang="en-US" altLang="zh-CN" i="1"/>
+                      <a:rPr lang="en-US" altLang="zh-CN" i="1">
+                        <a:latin typeface="Cambria Math" panose="02040503050406030204" pitchFamily="18" charset="0"/>
+                      </a:rPr>
                       <m:t>𝑘</m:t>
                     </m:r>
                     <m:r>
-                      <a:rPr lang="en-US" altLang="zh-CN" i="1"/>
+                      <a:rPr lang="en-US" altLang="zh-CN" i="1">
+                        <a:latin typeface="Cambria Math" panose="02040503050406030204" pitchFamily="18" charset="0"/>
+                      </a:rPr>
                       <m:t>+1)=</m:t>
                     </m:r>
                     <m:r>
-                      <a:rPr lang="en-US" altLang="zh-CN" i="1"/>
+                      <a:rPr lang="en-US" altLang="zh-CN" i="1">
+                        <a:latin typeface="Cambria Math" panose="02040503050406030204" pitchFamily="18" charset="0"/>
+                      </a:rPr>
                       <m:t>𝛼</m:t>
                     </m:r>
                     <m:r>
-                      <a:rPr lang="en-US" altLang="zh-CN" i="1"/>
+                      <a:rPr lang="en-US" altLang="zh-CN" i="1">
+                        <a:latin typeface="Cambria Math" panose="02040503050406030204" pitchFamily="18" charset="0"/>
+                      </a:rPr>
                       <m:t>(</m:t>
                     </m:r>
                     <m:r>
-                      <a:rPr lang="en-US" altLang="zh-CN" i="1"/>
+                      <a:rPr lang="en-US" altLang="zh-CN" i="1">
+                        <a:latin typeface="Cambria Math" panose="02040503050406030204" pitchFamily="18" charset="0"/>
+                      </a:rPr>
                       <m:t>𝑘</m:t>
                     </m:r>
                     <m:r>
-                      <a:rPr lang="en-US" altLang="zh-CN" i="1"/>
+                      <a:rPr lang="en-US" altLang="zh-CN" i="1">
+                        <a:latin typeface="Cambria Math" panose="02040503050406030204" pitchFamily="18" charset="0"/>
+                      </a:rPr>
                       <m:t>)+</m:t>
                     </m:r>
                     <m:sSub>
                       <m:sSubPr>
                         <m:ctrlPr>
-                          <a:rPr lang="zh-CN" altLang="zh-CN" i="1"/>
+                          <a:rPr lang="zh-CN" altLang="zh-CN" i="1">
+                            <a:latin typeface="Cambria Math" panose="02040503050406030204" pitchFamily="18" charset="0"/>
+                          </a:rPr>
                         </m:ctrlPr>
                       </m:sSubPr>
                       <m:e>
                         <m:r>
-                          <a:rPr lang="en-US" altLang="zh-CN" i="1"/>
+                          <a:rPr lang="en-US" altLang="zh-CN" i="1">
+                            <a:latin typeface="Cambria Math" panose="02040503050406030204" pitchFamily="18" charset="0"/>
+                          </a:rPr>
                           <m:t>𝜌</m:t>
                         </m:r>
                       </m:e>
                       <m:sub>
                         <m:r>
-                          <a:rPr lang="en-US" altLang="zh-CN" i="1"/>
+                          <a:rPr lang="en-US" altLang="zh-CN" i="1">
+                            <a:latin typeface="Cambria Math" panose="02040503050406030204" pitchFamily="18" charset="0"/>
+                          </a:rPr>
                           <m:t>𝑘</m:t>
                         </m:r>
                       </m:sub>
@@ -5940,48 +6158,64 @@
                         <m:chr m:val="∑"/>
                         <m:supHide m:val="on"/>
                         <m:ctrlPr>
-                          <a:rPr lang="zh-CN" altLang="zh-CN" i="1"/>
+                          <a:rPr lang="zh-CN" altLang="zh-CN" i="1">
+                            <a:latin typeface="Cambria Math" panose="02040503050406030204" pitchFamily="18" charset="0"/>
+                          </a:rPr>
                         </m:ctrlPr>
                       </m:naryPr>
                       <m:sub>
                         <m:sSub>
                           <m:sSubPr>
                             <m:ctrlPr>
-                              <a:rPr lang="zh-CN" altLang="zh-CN" i="1"/>
+                              <a:rPr lang="zh-CN" altLang="zh-CN" i="1">
+                                <a:latin typeface="Cambria Math" panose="02040503050406030204" pitchFamily="18" charset="0"/>
+                              </a:rPr>
                             </m:ctrlPr>
                           </m:sSubPr>
                           <m:e>
                             <m:r>
-                              <a:rPr lang="en-US" altLang="zh-CN" i="1"/>
+                              <a:rPr lang="en-US" altLang="zh-CN" i="1">
+                                <a:latin typeface="Cambria Math" panose="02040503050406030204" pitchFamily="18" charset="0"/>
+                              </a:rPr>
                               <m:t>𝑦</m:t>
                             </m:r>
                           </m:e>
                           <m:sub>
                             <m:r>
-                              <a:rPr lang="en-US" altLang="zh-CN" i="1"/>
+                              <a:rPr lang="en-US" altLang="zh-CN" i="1">
+                                <a:latin typeface="Cambria Math" panose="02040503050406030204" pitchFamily="18" charset="0"/>
+                              </a:rPr>
                               <m:t>𝑗</m:t>
                             </m:r>
                           </m:sub>
                         </m:sSub>
                         <m:r>
-                          <a:rPr lang="zh-CN" altLang="zh-CN" i="1"/>
+                          <a:rPr lang="zh-CN" altLang="zh-CN" i="1">
+                            <a:latin typeface="Cambria Math" panose="02040503050406030204" pitchFamily="18" charset="0"/>
+                          </a:rPr>
                           <m:t>∈</m:t>
                         </m:r>
                         <m:sSup>
                           <m:sSupPr>
                             <m:ctrlPr>
-                              <a:rPr lang="zh-CN" altLang="zh-CN" i="1"/>
+                              <a:rPr lang="zh-CN" altLang="zh-CN" i="1">
+                                <a:latin typeface="Cambria Math" panose="02040503050406030204" pitchFamily="18" charset="0"/>
+                              </a:rPr>
                             </m:ctrlPr>
                           </m:sSupPr>
                           <m:e>
                             <m:r>
-                              <a:rPr lang="en-US" altLang="zh-CN" i="1"/>
+                              <a:rPr lang="en-US" altLang="zh-CN" i="1">
+                                <a:latin typeface="Cambria Math" panose="02040503050406030204" pitchFamily="18" charset="0"/>
+                              </a:rPr>
                               <m:t>𝑌</m:t>
                             </m:r>
                           </m:e>
                           <m:sup>
                             <m:r>
-                              <a:rPr lang="en-US" altLang="zh-CN" i="1"/>
+                              <a:rPr lang="en-US" altLang="zh-CN" i="1">
+                                <a:latin typeface="Cambria Math" panose="02040503050406030204" pitchFamily="18" charset="0"/>
+                              </a:rPr>
                               <m:t>𝑘</m:t>
                             </m:r>
                           </m:sup>
@@ -6026,7 +6260,7 @@
             </p:txBody>
           </p:sp>
         </mc:Choice>
-        <mc:Fallback>
+        <mc:Fallback xmlns="">
           <p:sp>
             <p:nvSpPr>
               <p:cNvPr id="3" name="内容占位符 2">
@@ -6734,31 +6968,6 @@
           </a:prstGeom>
         </p:spPr>
       </p:pic>
-      <p:sp>
-        <p:nvSpPr>
-          <p:cNvPr id="2" name="标题 1">
-            <a:extLst>
-              <a:ext uri="{FF2B5EF4-FFF2-40B4-BE49-F238E27FC236}">
-                <a16:creationId xmlns:a16="http://schemas.microsoft.com/office/drawing/2014/main" id="{2EA4942D-D5A2-4D77-BDD5-F0A22461D15B}"/>
-              </a:ext>
-            </a:extLst>
-          </p:cNvPr>
-          <p:cNvSpPr>
-            <a:spLocks noGrp="1"/>
-          </p:cNvSpPr>
-          <p:nvPr>
-            <p:ph type="title"/>
-          </p:nvPr>
-        </p:nvSpPr>
-        <p:spPr/>
-        <p:txBody>
-          <a:bodyPr/>
-          <a:lstStyle/>
-          <a:p>
-            <a:endParaRPr lang="zh-CN" altLang="en-US" dirty="0"/>
-          </a:p>
-        </p:txBody>
-      </p:sp>
       <mc:AlternateContent xmlns:mc="http://schemas.openxmlformats.org/markup-compatibility/2006">
         <mc:Choice xmlns:a14="http://schemas.microsoft.com/office/drawing/2010/main" Requires="a14">
           <p:sp>
@@ -6795,13 +7004,18 @@
                 </a:r>
               </a:p>
               <a:p>
-                <a:pPr lvl="0"/>
+                <a:pPr marL="0" lvl="0" indent="0">
+                  <a:buNone/>
+                </a:pPr>
                 <a:r>
                   <a:rPr lang="zh-CN" altLang="zh-CN" dirty="0"/>
                   <a:t>固定增量法： </a:t>
                 </a:r>
               </a:p>
               <a:p>
+                <a:pPr marL="0" indent="0">
+                  <a:buNone/>
+                </a:pPr>
                 <a:r>
                   <a:rPr lang="zh-CN" altLang="zh-CN" dirty="0"/>
                   <a:t>（</a:t>
@@ -6817,11 +7031,15 @@
                 <a14:m>
                   <m:oMath xmlns:m="http://schemas.openxmlformats.org/officeDocument/2006/math">
                     <m:r>
-                      <a:rPr lang="en-US" altLang="zh-CN" i="1"/>
+                      <a:rPr lang="en-US" altLang="zh-CN" i="1">
+                        <a:latin typeface="Cambria Math" panose="02040503050406030204" pitchFamily="18" charset="0"/>
+                      </a:rPr>
                       <m:t>𝛼</m:t>
                     </m:r>
                     <m:r>
-                      <a:rPr lang="en-US" altLang="zh-CN" i="1"/>
+                      <a:rPr lang="en-US" altLang="zh-CN" i="1">
+                        <a:latin typeface="Cambria Math" panose="02040503050406030204" pitchFamily="18" charset="0"/>
+                      </a:rPr>
                       <m:t>(0)</m:t>
                     </m:r>
                   </m:oMath>
@@ -6832,6 +7050,9 @@
                 </a:r>
               </a:p>
               <a:p>
+                <a:pPr marL="0" indent="0">
+                  <a:buNone/>
+                </a:pPr>
                 <a:r>
                   <a:rPr lang="zh-CN" altLang="zh-CN" dirty="0"/>
                   <a:t>（</a:t>
@@ -6849,18 +7070,24 @@
                     <m:sSub>
                       <m:sSubPr>
                         <m:ctrlPr>
-                          <a:rPr lang="zh-CN" altLang="zh-CN" i="1"/>
+                          <a:rPr lang="zh-CN" altLang="zh-CN" i="1">
+                            <a:latin typeface="Cambria Math" panose="02040503050406030204" pitchFamily="18" charset="0"/>
+                          </a:rPr>
                         </m:ctrlPr>
                       </m:sSubPr>
                       <m:e>
                         <m:r>
-                          <a:rPr lang="en-US" altLang="zh-CN" i="1"/>
+                          <a:rPr lang="en-US" altLang="zh-CN" i="1">
+                            <a:latin typeface="Cambria Math" panose="02040503050406030204" pitchFamily="18" charset="0"/>
+                          </a:rPr>
                           <m:t>𝑦</m:t>
                         </m:r>
                       </m:e>
                       <m:sub>
                         <m:r>
-                          <a:rPr lang="en-US" altLang="zh-CN" i="1"/>
+                          <a:rPr lang="en-US" altLang="zh-CN" i="1">
+                            <a:latin typeface="Cambria Math" panose="02040503050406030204" pitchFamily="18" charset="0"/>
+                          </a:rPr>
                           <m:t>𝑗</m:t>
                         </m:r>
                       </m:sub>
@@ -6874,32 +7101,44 @@
                 <a14:m>
                   <m:oMath xmlns:m="http://schemas.openxmlformats.org/officeDocument/2006/math">
                     <m:r>
-                      <a:rPr lang="en-US" altLang="zh-CN" i="1"/>
+                      <a:rPr lang="en-US" altLang="zh-CN" i="1">
+                        <a:latin typeface="Cambria Math" panose="02040503050406030204" pitchFamily="18" charset="0"/>
+                      </a:rPr>
                       <m:t>𝛼</m:t>
                     </m:r>
                     <m:r>
-                      <a:rPr lang="en-US" altLang="zh-CN" i="1"/>
+                      <a:rPr lang="en-US" altLang="zh-CN" i="1">
+                        <a:latin typeface="Cambria Math" panose="02040503050406030204" pitchFamily="18" charset="0"/>
+                      </a:rPr>
                       <m:t>(</m:t>
                     </m:r>
                     <m:r>
-                      <a:rPr lang="en-US" altLang="zh-CN" i="1"/>
+                      <a:rPr lang="en-US" altLang="zh-CN" i="1">
+                        <a:latin typeface="Cambria Math" panose="02040503050406030204" pitchFamily="18" charset="0"/>
+                      </a:rPr>
                       <m:t>𝑘</m:t>
                     </m:r>
                     <m:sSup>
                       <m:sSupPr>
                         <m:ctrlPr>
-                          <a:rPr lang="zh-CN" altLang="zh-CN" i="1"/>
+                          <a:rPr lang="zh-CN" altLang="zh-CN" i="1">
+                            <a:latin typeface="Cambria Math" panose="02040503050406030204" pitchFamily="18" charset="0"/>
+                          </a:rPr>
                         </m:ctrlPr>
                       </m:sSupPr>
                       <m:e>
                         <m:r>
-                          <a:rPr lang="en-US" altLang="zh-CN" i="1"/>
+                          <a:rPr lang="en-US" altLang="zh-CN" i="1">
+                            <a:latin typeface="Cambria Math" panose="02040503050406030204" pitchFamily="18" charset="0"/>
+                          </a:rPr>
                           <m:t>)</m:t>
                         </m:r>
                       </m:e>
                       <m:sup>
                         <m:r>
-                          <a:rPr lang="en-US" altLang="zh-CN" i="1"/>
+                          <a:rPr lang="en-US" altLang="zh-CN" i="1">
+                            <a:latin typeface="Cambria Math" panose="02040503050406030204" pitchFamily="18" charset="0"/>
+                          </a:rPr>
                           <m:t>𝑇</m:t>
                         </m:r>
                       </m:sup>
@@ -6907,24 +7146,32 @@
                     <m:sSub>
                       <m:sSubPr>
                         <m:ctrlPr>
-                          <a:rPr lang="zh-CN" altLang="zh-CN" i="1"/>
+                          <a:rPr lang="zh-CN" altLang="zh-CN" i="1">
+                            <a:latin typeface="Cambria Math" panose="02040503050406030204" pitchFamily="18" charset="0"/>
+                          </a:rPr>
                         </m:ctrlPr>
                       </m:sSubPr>
                       <m:e>
                         <m:r>
-                          <a:rPr lang="en-US" altLang="zh-CN" i="1"/>
+                          <a:rPr lang="en-US" altLang="zh-CN" i="1">
+                            <a:latin typeface="Cambria Math" panose="02040503050406030204" pitchFamily="18" charset="0"/>
+                          </a:rPr>
                           <m:t>𝑦</m:t>
                         </m:r>
                       </m:e>
                       <m:sub>
                         <m:r>
-                          <a:rPr lang="en-US" altLang="zh-CN" i="1"/>
+                          <a:rPr lang="en-US" altLang="zh-CN" i="1">
+                            <a:latin typeface="Cambria Math" panose="02040503050406030204" pitchFamily="18" charset="0"/>
+                          </a:rPr>
                           <m:t>𝑗</m:t>
                         </m:r>
                       </m:sub>
                     </m:sSub>
                     <m:r>
-                      <a:rPr lang="en-US" altLang="zh-CN" i="1"/>
+                      <a:rPr lang="en-US" altLang="zh-CN" i="1">
+                        <a:latin typeface="Cambria Math" panose="02040503050406030204" pitchFamily="18" charset="0"/>
+                      </a:rPr>
                       <m:t>&lt;0</m:t>
                     </m:r>
                   </m:oMath>
@@ -6940,52 +7187,74 @@
                 <a14:m>
                   <m:oMath xmlns:m="http://schemas.openxmlformats.org/officeDocument/2006/math">
                     <m:r>
-                      <a:rPr lang="en-US" altLang="zh-CN" i="1"/>
+                      <a:rPr lang="en-US" altLang="zh-CN" i="1">
+                        <a:latin typeface="Cambria Math" panose="02040503050406030204" pitchFamily="18" charset="0"/>
+                      </a:rPr>
                       <m:t>𝛼</m:t>
                     </m:r>
                     <m:r>
-                      <a:rPr lang="en-US" altLang="zh-CN" i="1"/>
+                      <a:rPr lang="en-US" altLang="zh-CN" i="1">
+                        <a:latin typeface="Cambria Math" panose="02040503050406030204" pitchFamily="18" charset="0"/>
+                      </a:rPr>
                       <m:t>(</m:t>
                     </m:r>
                     <m:r>
-                      <a:rPr lang="en-US" altLang="zh-CN" i="1"/>
+                      <a:rPr lang="en-US" altLang="zh-CN" i="1">
+                        <a:latin typeface="Cambria Math" panose="02040503050406030204" pitchFamily="18" charset="0"/>
+                      </a:rPr>
                       <m:t>𝑘</m:t>
                     </m:r>
                     <m:r>
-                      <a:rPr lang="en-US" altLang="zh-CN" i="1"/>
+                      <a:rPr lang="en-US" altLang="zh-CN" i="1">
+                        <a:latin typeface="Cambria Math" panose="02040503050406030204" pitchFamily="18" charset="0"/>
+                      </a:rPr>
                       <m:t>+1)=</m:t>
                     </m:r>
                     <m:r>
-                      <a:rPr lang="en-US" altLang="zh-CN" i="1"/>
+                      <a:rPr lang="en-US" altLang="zh-CN" i="1">
+                        <a:latin typeface="Cambria Math" panose="02040503050406030204" pitchFamily="18" charset="0"/>
+                      </a:rPr>
                       <m:t>𝛼</m:t>
                     </m:r>
                     <m:r>
-                      <a:rPr lang="en-US" altLang="zh-CN" i="1"/>
+                      <a:rPr lang="en-US" altLang="zh-CN" i="1">
+                        <a:latin typeface="Cambria Math" panose="02040503050406030204" pitchFamily="18" charset="0"/>
+                      </a:rPr>
                       <m:t>(</m:t>
                     </m:r>
                     <m:r>
-                      <a:rPr lang="en-US" altLang="zh-CN" i="1"/>
+                      <a:rPr lang="en-US" altLang="zh-CN" i="1">
+                        <a:latin typeface="Cambria Math" panose="02040503050406030204" pitchFamily="18" charset="0"/>
+                      </a:rPr>
                       <m:t>𝑘</m:t>
                     </m:r>
                     <m:r>
-                      <a:rPr lang="en-US" altLang="zh-CN" i="1"/>
+                      <a:rPr lang="en-US" altLang="zh-CN" i="1">
+                        <a:latin typeface="Cambria Math" panose="02040503050406030204" pitchFamily="18" charset="0"/>
+                      </a:rPr>
                       <m:t>)+</m:t>
                     </m:r>
                     <m:sSub>
                       <m:sSubPr>
                         <m:ctrlPr>
-                          <a:rPr lang="zh-CN" altLang="zh-CN" i="1"/>
+                          <a:rPr lang="zh-CN" altLang="zh-CN" i="1">
+                            <a:latin typeface="Cambria Math" panose="02040503050406030204" pitchFamily="18" charset="0"/>
+                          </a:rPr>
                         </m:ctrlPr>
                       </m:sSubPr>
                       <m:e>
                         <m:r>
-                          <a:rPr lang="en-US" altLang="zh-CN" i="1"/>
+                          <a:rPr lang="en-US" altLang="zh-CN" i="1">
+                            <a:latin typeface="Cambria Math" panose="02040503050406030204" pitchFamily="18" charset="0"/>
+                          </a:rPr>
                           <m:t>𝑦</m:t>
                         </m:r>
                       </m:e>
                       <m:sub>
                         <m:r>
-                          <a:rPr lang="en-US" altLang="zh-CN" i="1"/>
+                          <a:rPr lang="en-US" altLang="zh-CN" i="1">
+                            <a:latin typeface="Cambria Math" panose="02040503050406030204" pitchFamily="18" charset="0"/>
+                          </a:rPr>
                           <m:t>𝑗</m:t>
                         </m:r>
                       </m:sub>
@@ -7005,24 +7274,32 @@
                     <m:sSub>
                       <m:sSubPr>
                         <m:ctrlPr>
-                          <a:rPr lang="zh-CN" altLang="zh-CN" i="1"/>
+                          <a:rPr lang="zh-CN" altLang="zh-CN" i="1">
+                            <a:latin typeface="Cambria Math" panose="02040503050406030204" pitchFamily="18" charset="0"/>
+                          </a:rPr>
                         </m:ctrlPr>
                       </m:sSubPr>
                       <m:e>
                         <m:r>
-                          <a:rPr lang="en-US" altLang="zh-CN" i="1"/>
+                          <a:rPr lang="en-US" altLang="zh-CN" i="1">
+                            <a:latin typeface="Cambria Math" panose="02040503050406030204" pitchFamily="18" charset="0"/>
+                          </a:rPr>
                           <m:t>𝜌</m:t>
                         </m:r>
                       </m:e>
                       <m:sub>
                         <m:r>
-                          <a:rPr lang="en-US" altLang="zh-CN" i="1"/>
+                          <a:rPr lang="en-US" altLang="zh-CN" i="1">
+                            <a:latin typeface="Cambria Math" panose="02040503050406030204" pitchFamily="18" charset="0"/>
+                          </a:rPr>
                           <m:t>𝑘</m:t>
                         </m:r>
                       </m:sub>
                     </m:sSub>
                     <m:r>
-                      <a:rPr lang="en-US" altLang="zh-CN" i="1"/>
+                      <a:rPr lang="en-US" altLang="zh-CN" i="1">
+                        <a:latin typeface="Cambria Math" panose="02040503050406030204" pitchFamily="18" charset="0"/>
+                      </a:rPr>
                       <m:t>=1</m:t>
                     </m:r>
                   </m:oMath>
@@ -7033,6 +7310,9 @@
                 </a:r>
               </a:p>
               <a:p>
+                <a:pPr marL="0" indent="0">
+                  <a:buNone/>
+                </a:pPr>
                 <a:r>
                   <a:rPr lang="zh-CN" altLang="zh-CN" dirty="0"/>
                   <a:t>（</a:t>
@@ -7058,24 +7338,32 @@
                     <m:sSub>
                       <m:sSubPr>
                         <m:ctrlPr>
-                          <a:rPr lang="zh-CN" altLang="zh-CN" i="1"/>
+                          <a:rPr lang="zh-CN" altLang="zh-CN" i="1">
+                            <a:latin typeface="Cambria Math" panose="02040503050406030204" pitchFamily="18" charset="0"/>
+                          </a:rPr>
                         </m:ctrlPr>
                       </m:sSubPr>
                       <m:e>
                         <m:r>
-                          <a:rPr lang="en-US" altLang="zh-CN" i="1"/>
+                          <a:rPr lang="en-US" altLang="zh-CN" i="1">
+                            <a:latin typeface="Cambria Math" panose="02040503050406030204" pitchFamily="18" charset="0"/>
+                          </a:rPr>
                           <m:t>𝐽</m:t>
                         </m:r>
                       </m:e>
                       <m:sub>
                         <m:r>
-                          <a:rPr lang="en-US" altLang="zh-CN" i="1"/>
+                          <a:rPr lang="en-US" altLang="zh-CN" i="1">
+                            <a:latin typeface="Cambria Math" panose="02040503050406030204" pitchFamily="18" charset="0"/>
+                          </a:rPr>
                           <m:t>𝑃</m:t>
                         </m:r>
                       </m:sub>
                     </m:sSub>
                     <m:r>
-                      <a:rPr lang="en-US" altLang="zh-CN" i="1"/>
+                      <a:rPr lang="en-US" altLang="zh-CN" i="1">
+                        <a:latin typeface="Cambria Math" panose="02040503050406030204" pitchFamily="18" charset="0"/>
+                      </a:rPr>
                       <m:t>=0</m:t>
                     </m:r>
                   </m:oMath>
@@ -7083,7 +7371,9 @@
                 <a:endParaRPr lang="zh-CN" altLang="zh-CN" dirty="0"/>
               </a:p>
               <a:p>
-                <a:pPr lvl="0"/>
+                <a:pPr marL="0" lvl="0" indent="0">
+                  <a:buNone/>
+                </a:pPr>
                 <a:r>
                   <a:rPr lang="zh-CN" altLang="zh-CN" dirty="0"/>
                   <a:t>显然，如果错分条件改为</a:t>
@@ -7091,32 +7381,44 @@
                 <a14:m>
                   <m:oMath xmlns:m="http://schemas.openxmlformats.org/officeDocument/2006/math">
                     <m:r>
-                      <a:rPr lang="en-US" altLang="zh-CN" i="1"/>
+                      <a:rPr lang="en-US" altLang="zh-CN" i="1">
+                        <a:latin typeface="Cambria Math" panose="02040503050406030204" pitchFamily="18" charset="0"/>
+                      </a:rPr>
                       <m:t>𝛼</m:t>
                     </m:r>
                     <m:r>
-                      <a:rPr lang="en-US" altLang="zh-CN" i="1"/>
+                      <a:rPr lang="en-US" altLang="zh-CN" i="1">
+                        <a:latin typeface="Cambria Math" panose="02040503050406030204" pitchFamily="18" charset="0"/>
+                      </a:rPr>
                       <m:t>(</m:t>
                     </m:r>
                     <m:r>
-                      <a:rPr lang="en-US" altLang="zh-CN" i="1"/>
+                      <a:rPr lang="en-US" altLang="zh-CN" i="1">
+                        <a:latin typeface="Cambria Math" panose="02040503050406030204" pitchFamily="18" charset="0"/>
+                      </a:rPr>
                       <m:t>𝑘</m:t>
                     </m:r>
                     <m:sSup>
                       <m:sSupPr>
                         <m:ctrlPr>
-                          <a:rPr lang="zh-CN" altLang="zh-CN" i="1"/>
+                          <a:rPr lang="zh-CN" altLang="zh-CN" i="1">
+                            <a:latin typeface="Cambria Math" panose="02040503050406030204" pitchFamily="18" charset="0"/>
+                          </a:rPr>
                         </m:ctrlPr>
                       </m:sSupPr>
                       <m:e>
                         <m:r>
-                          <a:rPr lang="en-US" altLang="zh-CN" i="1"/>
+                          <a:rPr lang="en-US" altLang="zh-CN" i="1">
+                            <a:latin typeface="Cambria Math" panose="02040503050406030204" pitchFamily="18" charset="0"/>
+                          </a:rPr>
                           <m:t>)</m:t>
                         </m:r>
                       </m:e>
                       <m:sup>
                         <m:r>
-                          <a:rPr lang="en-US" altLang="zh-CN" i="1"/>
+                          <a:rPr lang="en-US" altLang="zh-CN" i="1">
+                            <a:latin typeface="Cambria Math" panose="02040503050406030204" pitchFamily="18" charset="0"/>
+                          </a:rPr>
                           <m:t>𝑇</m:t>
                         </m:r>
                       </m:sup>
@@ -7124,28 +7426,38 @@
                     <m:sSub>
                       <m:sSubPr>
                         <m:ctrlPr>
-                          <a:rPr lang="zh-CN" altLang="zh-CN" i="1"/>
+                          <a:rPr lang="zh-CN" altLang="zh-CN" i="1">
+                            <a:latin typeface="Cambria Math" panose="02040503050406030204" pitchFamily="18" charset="0"/>
+                          </a:rPr>
                         </m:ctrlPr>
                       </m:sSubPr>
                       <m:e>
                         <m:r>
-                          <a:rPr lang="en-US" altLang="zh-CN" i="1"/>
+                          <a:rPr lang="en-US" altLang="zh-CN" i="1">
+                            <a:latin typeface="Cambria Math" panose="02040503050406030204" pitchFamily="18" charset="0"/>
+                          </a:rPr>
                           <m:t>𝑦</m:t>
                         </m:r>
                       </m:e>
                       <m:sub>
                         <m:r>
-                          <a:rPr lang="en-US" altLang="zh-CN" i="1"/>
+                          <a:rPr lang="en-US" altLang="zh-CN" i="1">
+                            <a:latin typeface="Cambria Math" panose="02040503050406030204" pitchFamily="18" charset="0"/>
+                          </a:rPr>
                           <m:t>𝑗</m:t>
                         </m:r>
                       </m:sub>
                     </m:sSub>
                     <m:r>
-                      <a:rPr lang="en-US" altLang="zh-CN" i="1"/>
+                      <a:rPr lang="en-US" altLang="zh-CN" i="1">
+                        <a:latin typeface="Cambria Math" panose="02040503050406030204" pitchFamily="18" charset="0"/>
+                      </a:rPr>
                       <m:t>&lt;</m:t>
                     </m:r>
                     <m:r>
-                      <a:rPr lang="en-US" altLang="zh-CN" i="1"/>
+                      <a:rPr lang="en-US" altLang="zh-CN" i="1">
+                        <a:latin typeface="Cambria Math" panose="02040503050406030204" pitchFamily="18" charset="0"/>
+                      </a:rPr>
                       <m:t>𝑏</m:t>
                     </m:r>
                   </m:oMath>
@@ -7157,7 +7469,9 @@
                 <a14:m>
                   <m:oMath xmlns:m="http://schemas.openxmlformats.org/officeDocument/2006/math">
                     <m:r>
-                      <a:rPr lang="en-US" altLang="zh-CN" i="1"/>
+                      <a:rPr lang="en-US" altLang="zh-CN" i="1">
+                        <a:latin typeface="Cambria Math" panose="02040503050406030204" pitchFamily="18" charset="0"/>
+                      </a:rPr>
                       <m:t>𝑏</m:t>
                     </m:r>
                   </m:oMath>
@@ -7165,7 +7479,9 @@
                 <a:endParaRPr lang="zh-CN" altLang="zh-CN" dirty="0"/>
               </a:p>
               <a:p>
-                <a:pPr lvl="0"/>
+                <a:pPr marL="0" lvl="0" indent="0">
+                  <a:buNone/>
+                </a:pPr>
                 <a:r>
                   <a:rPr lang="zh-CN" altLang="zh-CN" dirty="0"/>
                   <a:t>变增量，如绝对修正法：</a:t>
@@ -7179,30 +7495,40 @@
                     <m:sSub>
                       <m:sSubPr>
                         <m:ctrlPr>
-                          <a:rPr lang="zh-CN" altLang="zh-CN" i="1"/>
+                          <a:rPr lang="zh-CN" altLang="zh-CN" i="1">
+                            <a:latin typeface="Cambria Math" panose="02040503050406030204" pitchFamily="18" charset="0"/>
+                          </a:rPr>
                         </m:ctrlPr>
                       </m:sSubPr>
                       <m:e>
                         <m:r>
-                          <a:rPr lang="en-US" altLang="zh-CN" i="1"/>
+                          <a:rPr lang="en-US" altLang="zh-CN" i="1">
+                            <a:latin typeface="Cambria Math" panose="02040503050406030204" pitchFamily="18" charset="0"/>
+                          </a:rPr>
                           <m:t>𝜌</m:t>
                         </m:r>
                       </m:e>
                       <m:sub>
                         <m:r>
-                          <a:rPr lang="en-US" altLang="zh-CN" i="1"/>
+                          <a:rPr lang="en-US" altLang="zh-CN" i="1">
+                            <a:latin typeface="Cambria Math" panose="02040503050406030204" pitchFamily="18" charset="0"/>
+                          </a:rPr>
                           <m:t>𝑘</m:t>
                         </m:r>
                       </m:sub>
                     </m:sSub>
                     <m:r>
-                      <a:rPr lang="en-US" altLang="zh-CN" i="1"/>
+                      <a:rPr lang="en-US" altLang="zh-CN" i="1">
+                        <a:latin typeface="Cambria Math" panose="02040503050406030204" pitchFamily="18" charset="0"/>
+                      </a:rPr>
                       <m:t>=</m:t>
                     </m:r>
                     <m:f>
                       <m:fPr>
                         <m:ctrlPr>
-                          <a:rPr lang="zh-CN" altLang="zh-CN" i="1"/>
+                          <a:rPr lang="zh-CN" altLang="zh-CN" i="1">
+                            <a:latin typeface="Cambria Math" panose="02040503050406030204" pitchFamily="18" charset="0"/>
+                          </a:rPr>
                         </m:ctrlPr>
                       </m:fPr>
                       <m:num>
@@ -7211,37 +7537,51 @@
                             <m:begChr m:val="|"/>
                             <m:endChr m:val="|"/>
                             <m:ctrlPr>
-                              <a:rPr lang="zh-CN" altLang="zh-CN" i="1"/>
+                              <a:rPr lang="zh-CN" altLang="zh-CN" i="1">
+                                <a:latin typeface="Cambria Math" panose="02040503050406030204" pitchFamily="18" charset="0"/>
+                              </a:rPr>
                             </m:ctrlPr>
                           </m:dPr>
                           <m:e>
                             <m:r>
-                              <a:rPr lang="en-US" altLang="zh-CN" i="1"/>
+                              <a:rPr lang="en-US" altLang="zh-CN" i="1">
+                                <a:latin typeface="Cambria Math" panose="02040503050406030204" pitchFamily="18" charset="0"/>
+                              </a:rPr>
                               <m:t>𝛼</m:t>
                             </m:r>
                             <m:r>
-                              <a:rPr lang="en-US" altLang="zh-CN" i="1"/>
+                              <a:rPr lang="en-US" altLang="zh-CN" i="1">
+                                <a:latin typeface="Cambria Math" panose="02040503050406030204" pitchFamily="18" charset="0"/>
+                              </a:rPr>
                               <m:t>(</m:t>
                             </m:r>
                             <m:r>
-                              <a:rPr lang="en-US" altLang="zh-CN" i="1"/>
+                              <a:rPr lang="en-US" altLang="zh-CN" i="1">
+                                <a:latin typeface="Cambria Math" panose="02040503050406030204" pitchFamily="18" charset="0"/>
+                              </a:rPr>
                               <m:t>𝑘</m:t>
                             </m:r>
                             <m:sSup>
                               <m:sSupPr>
                                 <m:ctrlPr>
-                                  <a:rPr lang="zh-CN" altLang="zh-CN" i="1"/>
+                                  <a:rPr lang="zh-CN" altLang="zh-CN" i="1">
+                                    <a:latin typeface="Cambria Math" panose="02040503050406030204" pitchFamily="18" charset="0"/>
+                                  </a:rPr>
                                 </m:ctrlPr>
                               </m:sSupPr>
                               <m:e>
                                 <m:r>
-                                  <a:rPr lang="en-US" altLang="zh-CN" i="1"/>
+                                  <a:rPr lang="en-US" altLang="zh-CN" i="1">
+                                    <a:latin typeface="Cambria Math" panose="02040503050406030204" pitchFamily="18" charset="0"/>
+                                  </a:rPr>
                                   <m:t>)</m:t>
                                 </m:r>
                               </m:e>
                               <m:sup>
                                 <m:r>
-                                  <a:rPr lang="en-US" altLang="zh-CN" i="1"/>
+                                  <a:rPr lang="en-US" altLang="zh-CN" i="1">
+                                    <a:latin typeface="Cambria Math" panose="02040503050406030204" pitchFamily="18" charset="0"/>
+                                  </a:rPr>
                                   <m:t>𝑇</m:t>
                                 </m:r>
                               </m:sup>
@@ -7249,18 +7589,24 @@
                             <m:sSub>
                               <m:sSubPr>
                                 <m:ctrlPr>
-                                  <a:rPr lang="zh-CN" altLang="zh-CN" i="1"/>
+                                  <a:rPr lang="zh-CN" altLang="zh-CN" i="1">
+                                    <a:latin typeface="Cambria Math" panose="02040503050406030204" pitchFamily="18" charset="0"/>
+                                  </a:rPr>
                                 </m:ctrlPr>
                               </m:sSubPr>
                               <m:e>
                                 <m:r>
-                                  <a:rPr lang="en-US" altLang="zh-CN" i="1"/>
+                                  <a:rPr lang="en-US" altLang="zh-CN" i="1">
+                                    <a:latin typeface="Cambria Math" panose="02040503050406030204" pitchFamily="18" charset="0"/>
+                                  </a:rPr>
                                   <m:t>𝑦</m:t>
                                 </m:r>
                               </m:e>
                               <m:sub>
                                 <m:r>
-                                  <a:rPr lang="en-US" altLang="zh-CN" i="1"/>
+                                  <a:rPr lang="en-US" altLang="zh-CN" i="1">
+                                    <a:latin typeface="Cambria Math" panose="02040503050406030204" pitchFamily="18" charset="0"/>
+                                  </a:rPr>
                                   <m:t>𝑗</m:t>
                                 </m:r>
                               </m:sub>
@@ -7272,7 +7618,9 @@
                         <m:sSup>
                           <m:sSupPr>
                             <m:ctrlPr>
-                              <a:rPr lang="zh-CN" altLang="zh-CN" i="1"/>
+                              <a:rPr lang="zh-CN" altLang="zh-CN" i="1">
+                                <a:latin typeface="Cambria Math" panose="02040503050406030204" pitchFamily="18" charset="0"/>
+                              </a:rPr>
                             </m:ctrlPr>
                           </m:sSupPr>
                           <m:e>
@@ -7281,25 +7629,33 @@
                                 <m:begChr m:val="‖"/>
                                 <m:endChr m:val="‖"/>
                                 <m:ctrlPr>
-                                  <a:rPr lang="zh-CN" altLang="zh-CN" i="1"/>
+                                  <a:rPr lang="zh-CN" altLang="zh-CN" i="1">
+                                    <a:latin typeface="Cambria Math" panose="02040503050406030204" pitchFamily="18" charset="0"/>
+                                  </a:rPr>
                                 </m:ctrlPr>
                               </m:dPr>
                               <m:e>
                                 <m:sSub>
                                   <m:sSubPr>
                                     <m:ctrlPr>
-                                      <a:rPr lang="zh-CN" altLang="zh-CN" i="1"/>
+                                      <a:rPr lang="zh-CN" altLang="zh-CN" i="1">
+                                        <a:latin typeface="Cambria Math" panose="02040503050406030204" pitchFamily="18" charset="0"/>
+                                      </a:rPr>
                                     </m:ctrlPr>
                                   </m:sSubPr>
                                   <m:e>
                                     <m:r>
-                                      <a:rPr lang="en-US" altLang="zh-CN" i="1"/>
+                                      <a:rPr lang="en-US" altLang="zh-CN" i="1">
+                                        <a:latin typeface="Cambria Math" panose="02040503050406030204" pitchFamily="18" charset="0"/>
+                                      </a:rPr>
                                       <m:t>𝑦</m:t>
                                     </m:r>
                                   </m:e>
                                   <m:sub>
                                     <m:r>
-                                      <a:rPr lang="en-US" altLang="zh-CN" i="1"/>
+                                      <a:rPr lang="en-US" altLang="zh-CN" i="1">
+                                        <a:latin typeface="Cambria Math" panose="02040503050406030204" pitchFamily="18" charset="0"/>
+                                      </a:rPr>
                                       <m:t>𝑗</m:t>
                                     </m:r>
                                   </m:sub>
@@ -7309,7 +7665,9 @@
                           </m:e>
                           <m:sup>
                             <m:r>
-                              <a:rPr lang="en-US" altLang="zh-CN" i="1"/>
+                              <a:rPr lang="en-US" altLang="zh-CN" i="1">
+                                <a:latin typeface="Cambria Math" panose="02040503050406030204" pitchFamily="18" charset="0"/>
+                              </a:rPr>
                               <m:t>2</m:t>
                             </m:r>
                           </m:sup>
@@ -7333,18 +7691,24 @@
                     <m:sSup>
                       <m:sSupPr>
                         <m:ctrlPr>
-                          <a:rPr lang="zh-CN" altLang="zh-CN" i="1"/>
+                          <a:rPr lang="zh-CN" altLang="zh-CN" i="1">
+                            <a:latin typeface="Cambria Math" panose="02040503050406030204" pitchFamily="18" charset="0"/>
+                          </a:rPr>
                         </m:ctrlPr>
                       </m:sSupPr>
                       <m:e>
                         <m:r>
-                          <a:rPr lang="en-US" altLang="zh-CN" i="1"/>
+                          <a:rPr lang="en-US" altLang="zh-CN" i="1">
+                            <a:latin typeface="Cambria Math" panose="02040503050406030204" pitchFamily="18" charset="0"/>
+                          </a:rPr>
                           <m:t>𝛼</m:t>
                         </m:r>
                       </m:e>
                       <m:sup>
                         <m:r>
-                          <a:rPr lang="en-US" altLang="zh-CN" i="1"/>
+                          <a:rPr lang="en-US" altLang="zh-CN" i="1">
+                            <a:latin typeface="Cambria Math" panose="02040503050406030204" pitchFamily="18" charset="0"/>
+                          </a:rPr>
                           <m:t>∗</m:t>
                         </m:r>
                       </m:sup>

--- a/第四章线性判别函数（线性分类器）.pptx
+++ b/第四章线性判别函数（线性分类器）.pptx
@@ -274,7 +274,7 @@
           <a:p>
             <a:fld id="{94E627C9-CFC5-4286-8D2F-020F502A09B8}" type="datetimeFigureOut">
               <a:rPr lang="zh-CN" altLang="en-US" smtClean="0"/>
-              <a:t>2020/3/24</a:t>
+              <a:t>2020/4/24</a:t>
             </a:fld>
             <a:endParaRPr lang="zh-CN" altLang="en-US"/>
           </a:p>
@@ -472,7 +472,7 @@
           <a:p>
             <a:fld id="{94E627C9-CFC5-4286-8D2F-020F502A09B8}" type="datetimeFigureOut">
               <a:rPr lang="zh-CN" altLang="en-US" smtClean="0"/>
-              <a:t>2020/3/24</a:t>
+              <a:t>2020/4/24</a:t>
             </a:fld>
             <a:endParaRPr lang="zh-CN" altLang="en-US"/>
           </a:p>
@@ -680,7 +680,7 @@
           <a:p>
             <a:fld id="{94E627C9-CFC5-4286-8D2F-020F502A09B8}" type="datetimeFigureOut">
               <a:rPr lang="zh-CN" altLang="en-US" smtClean="0"/>
-              <a:t>2020/3/24</a:t>
+              <a:t>2020/4/24</a:t>
             </a:fld>
             <a:endParaRPr lang="zh-CN" altLang="en-US"/>
           </a:p>
@@ -878,7 +878,7 @@
           <a:p>
             <a:fld id="{94E627C9-CFC5-4286-8D2F-020F502A09B8}" type="datetimeFigureOut">
               <a:rPr lang="zh-CN" altLang="en-US" smtClean="0"/>
-              <a:t>2020/3/24</a:t>
+              <a:t>2020/4/24</a:t>
             </a:fld>
             <a:endParaRPr lang="zh-CN" altLang="en-US"/>
           </a:p>
@@ -1153,7 +1153,7 @@
           <a:p>
             <a:fld id="{94E627C9-CFC5-4286-8D2F-020F502A09B8}" type="datetimeFigureOut">
               <a:rPr lang="zh-CN" altLang="en-US" smtClean="0"/>
-              <a:t>2020/3/24</a:t>
+              <a:t>2020/4/24</a:t>
             </a:fld>
             <a:endParaRPr lang="zh-CN" altLang="en-US"/>
           </a:p>
@@ -1418,7 +1418,7 @@
           <a:p>
             <a:fld id="{94E627C9-CFC5-4286-8D2F-020F502A09B8}" type="datetimeFigureOut">
               <a:rPr lang="zh-CN" altLang="en-US" smtClean="0"/>
-              <a:t>2020/3/24</a:t>
+              <a:t>2020/4/24</a:t>
             </a:fld>
             <a:endParaRPr lang="zh-CN" altLang="en-US"/>
           </a:p>
@@ -1830,7 +1830,7 @@
           <a:p>
             <a:fld id="{94E627C9-CFC5-4286-8D2F-020F502A09B8}" type="datetimeFigureOut">
               <a:rPr lang="zh-CN" altLang="en-US" smtClean="0"/>
-              <a:t>2020/3/24</a:t>
+              <a:t>2020/4/24</a:t>
             </a:fld>
             <a:endParaRPr lang="zh-CN" altLang="en-US"/>
           </a:p>
@@ -1971,7 +1971,7 @@
           <a:p>
             <a:fld id="{94E627C9-CFC5-4286-8D2F-020F502A09B8}" type="datetimeFigureOut">
               <a:rPr lang="zh-CN" altLang="en-US" smtClean="0"/>
-              <a:t>2020/3/24</a:t>
+              <a:t>2020/4/24</a:t>
             </a:fld>
             <a:endParaRPr lang="zh-CN" altLang="en-US"/>
           </a:p>
@@ -2084,7 +2084,7 @@
           <a:p>
             <a:fld id="{94E627C9-CFC5-4286-8D2F-020F502A09B8}" type="datetimeFigureOut">
               <a:rPr lang="zh-CN" altLang="en-US" smtClean="0"/>
-              <a:t>2020/3/24</a:t>
+              <a:t>2020/4/24</a:t>
             </a:fld>
             <a:endParaRPr lang="zh-CN" altLang="en-US"/>
           </a:p>
@@ -2395,7 +2395,7 @@
           <a:p>
             <a:fld id="{94E627C9-CFC5-4286-8D2F-020F502A09B8}" type="datetimeFigureOut">
               <a:rPr lang="zh-CN" altLang="en-US" smtClean="0"/>
-              <a:t>2020/3/24</a:t>
+              <a:t>2020/4/24</a:t>
             </a:fld>
             <a:endParaRPr lang="zh-CN" altLang="en-US"/>
           </a:p>
@@ -2683,7 +2683,7 @@
           <a:p>
             <a:fld id="{94E627C9-CFC5-4286-8D2F-020F502A09B8}" type="datetimeFigureOut">
               <a:rPr lang="zh-CN" altLang="en-US" smtClean="0"/>
-              <a:t>2020/3/24</a:t>
+              <a:t>2020/4/24</a:t>
             </a:fld>
             <a:endParaRPr lang="zh-CN" altLang="en-US"/>
           </a:p>
@@ -2924,7 +2924,7 @@
           <a:p>
             <a:fld id="{94E627C9-CFC5-4286-8D2F-020F502A09B8}" type="datetimeFigureOut">
               <a:rPr lang="zh-CN" altLang="en-US" smtClean="0"/>
-              <a:t>2020/3/24</a:t>
+              <a:t>2020/4/24</a:t>
             </a:fld>
             <a:endParaRPr lang="zh-CN" altLang="en-US"/>
           </a:p>
@@ -3882,6 +3882,9 @@
                 <a:endParaRPr lang="zh-CN" altLang="zh-CN" dirty="0"/>
               </a:p>
               <a:p>
+                <a:pPr marL="0" indent="0">
+                  <a:buNone/>
+                </a:pPr>
                 <a:r>
                   <a:rPr lang="en-US" altLang="zh-CN" dirty="0"/>
                   <a:t>	</a:t>
@@ -3906,13 +3909,16 @@
                 </a:r>
               </a:p>
               <a:p>
+                <a:pPr marL="0" indent="0">
+                  <a:buNone/>
+                </a:pPr>
                 <a:r>
                   <a:rPr lang="zh-CN" altLang="zh-CN" dirty="0"/>
                   <a:t>目的：</a:t>
                 </a:r>
                 <a:r>
                   <a:rPr lang="en-US" altLang="zh-CN" dirty="0"/>
-                  <a:t>	1. </a:t>
+                  <a:t>1. </a:t>
                 </a:r>
                 <a:r>
                   <a:rPr lang="zh-CN" altLang="zh-CN" dirty="0"/>
@@ -3920,9 +3926,12 @@
                 </a:r>
               </a:p>
               <a:p>
+                <a:pPr marL="0" indent="0">
+                  <a:buNone/>
+                </a:pPr>
                 <a:r>
                   <a:rPr lang="en-US" altLang="zh-CN" dirty="0"/>
-                  <a:t>		 2. </a:t>
+                  <a:t>	2. </a:t>
                 </a:r>
                 <a:r>
                   <a:rPr lang="zh-CN" altLang="zh-CN" dirty="0"/>
@@ -3930,10 +3939,6 @@
                 </a:r>
               </a:p>
               <a:p>
-                <a:r>
-                  <a:rPr lang="en-US" altLang="zh-CN" dirty="0"/>
-                  <a:t> </a:t>
-                </a:r>
                 <a:endParaRPr lang="zh-CN" altLang="zh-CN" dirty="0"/>
               </a:p>
               <a:p>
@@ -3943,13 +3948,13 @@
                 </a:r>
               </a:p>
               <a:p>
+                <a:pPr marL="0" indent="0">
+                  <a:buNone/>
+                </a:pPr>
                 <a:r>
                   <a:rPr lang="en-US" altLang="zh-CN" dirty="0"/>
-                  <a:t> </a:t>
+                  <a:t>  </a:t>
                 </a:r>
-                <a:endParaRPr lang="zh-CN" altLang="zh-CN" dirty="0"/>
-              </a:p>
-              <a:p>
                 <a:r>
                   <a:rPr lang="zh-CN" altLang="zh-CN" dirty="0"/>
                   <a:t>如果样本</a:t>
@@ -4053,192 +4058,211 @@
                 </a:r>
               </a:p>
               <a:p>
+                <a:pPr marL="0" indent="0">
+                  <a:buNone/>
+                </a:pPr>
+                <a:endParaRPr lang="en-US" altLang="zh-CN" i="1" dirty="0">
+                  <a:latin typeface="Cambria Math" panose="02040503050406030204" pitchFamily="18" charset="0"/>
+                </a:endParaRPr>
+              </a:p>
+              <a:p>
+                <a:pPr marL="0" indent="0">
+                  <a:buNone/>
+                </a:pPr>
                 <a14:m>
-                  <m:oMath xmlns:m="http://schemas.openxmlformats.org/officeDocument/2006/math">
-                    <m:sSub>
-                      <m:sSubPr>
-                        <m:ctrlPr>
-                          <a:rPr lang="zh-CN" altLang="zh-CN" i="1">
-                            <a:latin typeface="Cambria Math" panose="02040503050406030204" pitchFamily="18" charset="0"/>
-                          </a:rPr>
-                        </m:ctrlPr>
-                      </m:sSubPr>
-                      <m:e>
-                        <m:r>
-                          <a:rPr lang="en-US" altLang="zh-CN" i="1">
-                            <a:latin typeface="Cambria Math" panose="02040503050406030204" pitchFamily="18" charset="0"/>
-                          </a:rPr>
-                          <m:t>𝐽</m:t>
-                        </m:r>
-                      </m:e>
-                      <m:sub>
-                        <m:r>
-                          <a:rPr lang="en-US" altLang="zh-CN" i="1">
-                            <a:latin typeface="Cambria Math" panose="02040503050406030204" pitchFamily="18" charset="0"/>
-                          </a:rPr>
-                          <m:t>𝑃</m:t>
-                        </m:r>
-                      </m:sub>
-                    </m:sSub>
-                    <m:r>
-                      <a:rPr lang="en-US" altLang="zh-CN" i="1">
-                        <a:latin typeface="Cambria Math" panose="02040503050406030204" pitchFamily="18" charset="0"/>
-                      </a:rPr>
-                      <m:t>(</m:t>
-                    </m:r>
-                    <m:r>
-                      <a:rPr lang="en-US" altLang="zh-CN" i="1">
-                        <a:latin typeface="Cambria Math" panose="02040503050406030204" pitchFamily="18" charset="0"/>
-                      </a:rPr>
-                      <m:t>𝛼</m:t>
-                    </m:r>
-                    <m:r>
-                      <a:rPr lang="en-US" altLang="zh-CN" i="1">
-                        <a:latin typeface="Cambria Math" panose="02040503050406030204" pitchFamily="18" charset="0"/>
-                      </a:rPr>
-                      <m:t>)=</m:t>
-                    </m:r>
-                    <m:nary>
-                      <m:naryPr>
-                        <m:chr m:val="∑"/>
-                        <m:supHide m:val="on"/>
-                        <m:ctrlPr>
-                          <a:rPr lang="zh-CN" altLang="zh-CN" i="1">
-                            <a:latin typeface="Cambria Math" panose="02040503050406030204" pitchFamily="18" charset="0"/>
-                          </a:rPr>
-                        </m:ctrlPr>
-                      </m:naryPr>
-                      <m:sub>
-                        <m:sSub>
-                          <m:sSubPr>
-                            <m:ctrlPr>
-                              <a:rPr lang="zh-CN" altLang="zh-CN" i="1">
-                                <a:latin typeface="Cambria Math" panose="02040503050406030204" pitchFamily="18" charset="0"/>
-                              </a:rPr>
-                            </m:ctrlPr>
-                          </m:sSubPr>
-                          <m:e>
-                            <m:r>
-                              <a:rPr lang="en-US" altLang="zh-CN" i="1">
-                                <a:latin typeface="Cambria Math" panose="02040503050406030204" pitchFamily="18" charset="0"/>
-                              </a:rPr>
-                              <m:t>𝑦</m:t>
-                            </m:r>
-                          </m:e>
-                          <m:sub>
-                            <m:r>
-                              <a:rPr lang="en-US" altLang="zh-CN" i="1">
-                                <a:latin typeface="Cambria Math" panose="02040503050406030204" pitchFamily="18" charset="0"/>
-                              </a:rPr>
-                              <m:t>𝑗</m:t>
-                            </m:r>
-                          </m:sub>
-                        </m:sSub>
-                        <m:r>
-                          <a:rPr lang="zh-CN" altLang="zh-CN" i="1">
-                            <a:latin typeface="Cambria Math" panose="02040503050406030204" pitchFamily="18" charset="0"/>
-                          </a:rPr>
-                          <m:t>∈</m:t>
-                        </m:r>
-                        <m:sSup>
-                          <m:sSupPr>
-                            <m:ctrlPr>
-                              <a:rPr lang="zh-CN" altLang="zh-CN" i="1">
-                                <a:latin typeface="Cambria Math" panose="02040503050406030204" pitchFamily="18" charset="0"/>
-                              </a:rPr>
-                            </m:ctrlPr>
-                          </m:sSupPr>
-                          <m:e>
-                            <m:r>
-                              <a:rPr lang="en-US" altLang="zh-CN" i="1">
-                                <a:latin typeface="Cambria Math" panose="02040503050406030204" pitchFamily="18" charset="0"/>
-                              </a:rPr>
-                              <m:t>𝑌</m:t>
-                            </m:r>
-                          </m:e>
-                          <m:sup>
-                            <m:r>
-                              <a:rPr lang="en-US" altLang="zh-CN" i="1">
-                                <a:latin typeface="Cambria Math" panose="02040503050406030204" pitchFamily="18" charset="0"/>
-                              </a:rPr>
-                              <m:t>𝑘</m:t>
-                            </m:r>
-                          </m:sup>
-                        </m:sSup>
-                      </m:sub>
-                      <m:sup/>
-                      <m:e/>
-                    </m:nary>
-                    <m:r>
-                      <a:rPr lang="en-US" altLang="zh-CN" i="1">
-                        <a:latin typeface="Cambria Math" panose="02040503050406030204" pitchFamily="18" charset="0"/>
-                      </a:rPr>
-                      <m:t>(−</m:t>
-                    </m:r>
-                    <m:sSup>
-                      <m:sSupPr>
-                        <m:ctrlPr>
-                          <a:rPr lang="zh-CN" altLang="zh-CN" i="1">
-                            <a:latin typeface="Cambria Math" panose="02040503050406030204" pitchFamily="18" charset="0"/>
-                          </a:rPr>
-                        </m:ctrlPr>
-                      </m:sSupPr>
-                      <m:e>
-                        <m:r>
-                          <a:rPr lang="en-US" altLang="zh-CN" i="1">
-                            <a:latin typeface="Cambria Math" panose="02040503050406030204" pitchFamily="18" charset="0"/>
-                          </a:rPr>
-                          <m:t>𝛼</m:t>
-                        </m:r>
-                      </m:e>
-                      <m:sup>
-                        <m:r>
-                          <a:rPr lang="en-US" altLang="zh-CN" i="1">
-                            <a:latin typeface="Cambria Math" panose="02040503050406030204" pitchFamily="18" charset="0"/>
-                          </a:rPr>
-                          <m:t>𝑇</m:t>
-                        </m:r>
-                      </m:sup>
-                    </m:sSup>
-                    <m:sSub>
-                      <m:sSubPr>
-                        <m:ctrlPr>
-                          <a:rPr lang="zh-CN" altLang="zh-CN" i="1">
-                            <a:latin typeface="Cambria Math" panose="02040503050406030204" pitchFamily="18" charset="0"/>
-                          </a:rPr>
-                        </m:ctrlPr>
-                      </m:sSubPr>
-                      <m:e>
-                        <m:r>
-                          <a:rPr lang="en-US" altLang="zh-CN" i="1">
-                            <a:latin typeface="Cambria Math" panose="02040503050406030204" pitchFamily="18" charset="0"/>
-                          </a:rPr>
-                          <m:t>𝑦</m:t>
-                        </m:r>
-                      </m:e>
-                      <m:sub>
-                        <m:r>
-                          <a:rPr lang="en-US" altLang="zh-CN" i="1">
-                            <a:latin typeface="Cambria Math" panose="02040503050406030204" pitchFamily="18" charset="0"/>
-                          </a:rPr>
-                          <m:t>𝑗</m:t>
-                        </m:r>
-                      </m:sub>
-                    </m:sSub>
-                    <m:r>
-                      <a:rPr lang="en-US" altLang="zh-CN" i="1">
-                        <a:latin typeface="Cambria Math" panose="02040503050406030204" pitchFamily="18" charset="0"/>
-                      </a:rPr>
-                      <m:t>)</m:t>
-                    </m:r>
-                  </m:oMath>
+                  <m:oMathPara xmlns:m="http://schemas.openxmlformats.org/officeDocument/2006/math">
+                    <m:oMathParaPr>
+                      <m:jc m:val="centerGroup"/>
+                    </m:oMathParaPr>
+                    <m:oMath xmlns:m="http://schemas.openxmlformats.org/officeDocument/2006/math">
+                      <m:sSub>
+                        <m:sSubPr>
+                          <m:ctrlPr>
+                            <a:rPr lang="zh-CN" altLang="zh-CN" i="1">
+                              <a:latin typeface="Cambria Math" panose="02040503050406030204" pitchFamily="18" charset="0"/>
+                            </a:rPr>
+                          </m:ctrlPr>
+                        </m:sSubPr>
+                        <m:e>
+                          <m:r>
+                            <a:rPr lang="en-US" altLang="zh-CN" i="1">
+                              <a:latin typeface="Cambria Math" panose="02040503050406030204" pitchFamily="18" charset="0"/>
+                            </a:rPr>
+                            <m:t>𝐽</m:t>
+                          </m:r>
+                        </m:e>
+                        <m:sub>
+                          <m:r>
+                            <a:rPr lang="en-US" altLang="zh-CN" i="1">
+                              <a:latin typeface="Cambria Math" panose="02040503050406030204" pitchFamily="18" charset="0"/>
+                            </a:rPr>
+                            <m:t>𝑃</m:t>
+                          </m:r>
+                        </m:sub>
+                      </m:sSub>
+                      <m:r>
+                        <a:rPr lang="en-US" altLang="zh-CN" i="1">
+                          <a:latin typeface="Cambria Math" panose="02040503050406030204" pitchFamily="18" charset="0"/>
+                        </a:rPr>
+                        <m:t>(</m:t>
+                      </m:r>
+                      <m:r>
+                        <a:rPr lang="en-US" altLang="zh-CN" i="1">
+                          <a:latin typeface="Cambria Math" panose="02040503050406030204" pitchFamily="18" charset="0"/>
+                        </a:rPr>
+                        <m:t>𝛼</m:t>
+                      </m:r>
+                      <m:r>
+                        <a:rPr lang="en-US" altLang="zh-CN" i="1">
+                          <a:latin typeface="Cambria Math" panose="02040503050406030204" pitchFamily="18" charset="0"/>
+                        </a:rPr>
+                        <m:t>)=</m:t>
+                      </m:r>
+                      <m:nary>
+                        <m:naryPr>
+                          <m:chr m:val="∑"/>
+                          <m:supHide m:val="on"/>
+                          <m:ctrlPr>
+                            <a:rPr lang="zh-CN" altLang="zh-CN" i="1">
+                              <a:latin typeface="Cambria Math" panose="02040503050406030204" pitchFamily="18" charset="0"/>
+                            </a:rPr>
+                          </m:ctrlPr>
+                        </m:naryPr>
+                        <m:sub>
+                          <m:sSub>
+                            <m:sSubPr>
+                              <m:ctrlPr>
+                                <a:rPr lang="zh-CN" altLang="zh-CN" i="1">
+                                  <a:latin typeface="Cambria Math" panose="02040503050406030204" pitchFamily="18" charset="0"/>
+                                </a:rPr>
+                              </m:ctrlPr>
+                            </m:sSubPr>
+                            <m:e>
+                              <m:r>
+                                <a:rPr lang="en-US" altLang="zh-CN" i="1">
+                                  <a:latin typeface="Cambria Math" panose="02040503050406030204" pitchFamily="18" charset="0"/>
+                                </a:rPr>
+                                <m:t>𝑦</m:t>
+                              </m:r>
+                            </m:e>
+                            <m:sub>
+                              <m:r>
+                                <a:rPr lang="en-US" altLang="zh-CN" i="1">
+                                  <a:latin typeface="Cambria Math" panose="02040503050406030204" pitchFamily="18" charset="0"/>
+                                </a:rPr>
+                                <m:t>𝑗</m:t>
+                              </m:r>
+                            </m:sub>
+                          </m:sSub>
+                          <m:r>
+                            <a:rPr lang="zh-CN" altLang="zh-CN" i="1">
+                              <a:latin typeface="Cambria Math" panose="02040503050406030204" pitchFamily="18" charset="0"/>
+                            </a:rPr>
+                            <m:t>∈</m:t>
+                          </m:r>
+                          <m:sSup>
+                            <m:sSupPr>
+                              <m:ctrlPr>
+                                <a:rPr lang="zh-CN" altLang="zh-CN" i="1">
+                                  <a:latin typeface="Cambria Math" panose="02040503050406030204" pitchFamily="18" charset="0"/>
+                                </a:rPr>
+                              </m:ctrlPr>
+                            </m:sSupPr>
+                            <m:e>
+                              <m:r>
+                                <a:rPr lang="en-US" altLang="zh-CN" i="1">
+                                  <a:latin typeface="Cambria Math" panose="02040503050406030204" pitchFamily="18" charset="0"/>
+                                </a:rPr>
+                                <m:t>𝑌</m:t>
+                              </m:r>
+                            </m:e>
+                            <m:sup>
+                              <m:r>
+                                <a:rPr lang="en-US" altLang="zh-CN" i="1">
+                                  <a:latin typeface="Cambria Math" panose="02040503050406030204" pitchFamily="18" charset="0"/>
+                                </a:rPr>
+                                <m:t>𝑘</m:t>
+                              </m:r>
+                            </m:sup>
+                          </m:sSup>
+                        </m:sub>
+                        <m:sup/>
+                        <m:e/>
+                      </m:nary>
+                      <m:r>
+                        <a:rPr lang="en-US" altLang="zh-CN" i="1">
+                          <a:latin typeface="Cambria Math" panose="02040503050406030204" pitchFamily="18" charset="0"/>
+                        </a:rPr>
+                        <m:t>(−</m:t>
+                      </m:r>
+                      <m:sSup>
+                        <m:sSupPr>
+                          <m:ctrlPr>
+                            <a:rPr lang="zh-CN" altLang="zh-CN" i="1">
+                              <a:latin typeface="Cambria Math" panose="02040503050406030204" pitchFamily="18" charset="0"/>
+                            </a:rPr>
+                          </m:ctrlPr>
+                        </m:sSupPr>
+                        <m:e>
+                          <m:r>
+                            <a:rPr lang="en-US" altLang="zh-CN" i="1">
+                              <a:latin typeface="Cambria Math" panose="02040503050406030204" pitchFamily="18" charset="0"/>
+                            </a:rPr>
+                            <m:t>𝛼</m:t>
+                          </m:r>
+                        </m:e>
+                        <m:sup>
+                          <m:r>
+                            <a:rPr lang="en-US" altLang="zh-CN" i="1">
+                              <a:latin typeface="Cambria Math" panose="02040503050406030204" pitchFamily="18" charset="0"/>
+                            </a:rPr>
+                            <m:t>𝑇</m:t>
+                          </m:r>
+                        </m:sup>
+                      </m:sSup>
+                      <m:sSub>
+                        <m:sSubPr>
+                          <m:ctrlPr>
+                            <a:rPr lang="zh-CN" altLang="zh-CN" i="1">
+                              <a:latin typeface="Cambria Math" panose="02040503050406030204" pitchFamily="18" charset="0"/>
+                            </a:rPr>
+                          </m:ctrlPr>
+                        </m:sSubPr>
+                        <m:e>
+                          <m:r>
+                            <a:rPr lang="en-US" altLang="zh-CN" i="1">
+                              <a:latin typeface="Cambria Math" panose="02040503050406030204" pitchFamily="18" charset="0"/>
+                            </a:rPr>
+                            <m:t>𝑦</m:t>
+                          </m:r>
+                        </m:e>
+                        <m:sub>
+                          <m:r>
+                            <a:rPr lang="en-US" altLang="zh-CN" i="1">
+                              <a:latin typeface="Cambria Math" panose="02040503050406030204" pitchFamily="18" charset="0"/>
+                            </a:rPr>
+                            <m:t>𝑗</m:t>
+                          </m:r>
+                        </m:sub>
+                      </m:sSub>
+                      <m:r>
+                        <a:rPr lang="en-US" altLang="zh-CN" i="1">
+                          <a:latin typeface="Cambria Math" panose="02040503050406030204" pitchFamily="18" charset="0"/>
+                        </a:rPr>
+                        <m:t>)</m:t>
+                      </m:r>
+                    </m:oMath>
+                  </m:oMathPara>
                 </a14:m>
                 <a:endParaRPr lang="zh-CN" altLang="zh-CN" dirty="0"/>
               </a:p>
               <a:p>
+                <a:pPr marL="0" indent="0">
+                  <a:buNone/>
+                </a:pPr>
                 <a:r>
                   <a:rPr lang="en-US" altLang="zh-CN" dirty="0"/>
-                  <a:t>	</a:t>
+                  <a:t>	                           </a:t>
                 </a:r>
                 <a:r>
                   <a:rPr lang="zh-CN" altLang="zh-CN" dirty="0"/>
@@ -4323,7 +4347,7 @@
               <a:blipFill>
                 <a:blip r:embed="rId2"/>
                 <a:stretch>
-                  <a:fillRect l="-812" t="-2153"/>
+                  <a:fillRect l="-928" t="-2153"/>
                 </a:stretch>
               </a:blipFill>
             </p:spPr>
@@ -4848,7 +4872,7 @@
                                         <p:tgtEl>
                                           <p:spTgt spid="3">
                                             <p:txEl>
-                                              <p:pRg st="4" end="4"/>
+                                              <p:pRg st="5" end="5"/>
                                             </p:txEl>
                                           </p:spTgt>
                                         </p:tgtEl>
@@ -4866,7 +4890,7 @@
                                         <p:tgtEl>
                                           <p:spTgt spid="3">
                                             <p:txEl>
-                                              <p:pRg st="4" end="4"/>
+                                              <p:pRg st="5" end="5"/>
                                             </p:txEl>
                                           </p:spTgt>
                                         </p:tgtEl>
@@ -4878,7 +4902,7 @@
                                         <p:tgtEl>
                                           <p:spTgt spid="3">
                                             <p:txEl>
-                                              <p:pRg st="4" end="4"/>
+                                              <p:pRg st="5" end="5"/>
                                             </p:txEl>
                                           </p:spTgt>
                                         </p:tgtEl>
@@ -4905,7 +4929,7 @@
                                         <p:tgtEl>
                                           <p:spTgt spid="3">
                                             <p:txEl>
-                                              <p:pRg st="4" end="4"/>
+                                              <p:pRg st="5" end="5"/>
                                             </p:txEl>
                                           </p:spTgt>
                                         </p:tgtEl>
@@ -4963,7 +4987,7 @@
                                         <p:tgtEl>
                                           <p:spTgt spid="3">
                                             <p:txEl>
-                                              <p:pRg st="5" end="5"/>
+                                              <p:pRg st="6" end="6"/>
                                             </p:txEl>
                                           </p:spTgt>
                                         </p:tgtEl>
@@ -4981,7 +5005,7 @@
                                         <p:tgtEl>
                                           <p:spTgt spid="3">
                                             <p:txEl>
-                                              <p:pRg st="5" end="5"/>
+                                              <p:pRg st="6" end="6"/>
                                             </p:txEl>
                                           </p:spTgt>
                                         </p:tgtEl>
@@ -4993,7 +5017,7 @@
                                         <p:tgtEl>
                                           <p:spTgt spid="3">
                                             <p:txEl>
-                                              <p:pRg st="5" end="5"/>
+                                              <p:pRg st="6" end="6"/>
                                             </p:txEl>
                                           </p:spTgt>
                                         </p:tgtEl>
@@ -5020,7 +5044,7 @@
                                         <p:tgtEl>
                                           <p:spTgt spid="3">
                                             <p:txEl>
-                                              <p:pRg st="5" end="5"/>
+                                              <p:pRg st="6" end="6"/>
                                             </p:txEl>
                                           </p:spTgt>
                                         </p:tgtEl>
@@ -5078,7 +5102,7 @@
                                         <p:tgtEl>
                                           <p:spTgt spid="3">
                                             <p:txEl>
-                                              <p:pRg st="6" end="6"/>
+                                              <p:pRg st="8" end="8"/>
                                             </p:txEl>
                                           </p:spTgt>
                                         </p:tgtEl>
@@ -5096,7 +5120,7 @@
                                         <p:tgtEl>
                                           <p:spTgt spid="3">
                                             <p:txEl>
-                                              <p:pRg st="6" end="6"/>
+                                              <p:pRg st="8" end="8"/>
                                             </p:txEl>
                                           </p:spTgt>
                                         </p:tgtEl>
@@ -5108,7 +5132,7 @@
                                         <p:tgtEl>
                                           <p:spTgt spid="3">
                                             <p:txEl>
-                                              <p:pRg st="6" end="6"/>
+                                              <p:pRg st="8" end="8"/>
                                             </p:txEl>
                                           </p:spTgt>
                                         </p:tgtEl>
@@ -5135,7 +5159,7 @@
                                         <p:tgtEl>
                                           <p:spTgt spid="3">
                                             <p:txEl>
-                                              <p:pRg st="6" end="6"/>
+                                              <p:pRg st="8" end="8"/>
                                             </p:txEl>
                                           </p:spTgt>
                                         </p:tgtEl>
@@ -5193,7 +5217,7 @@
                                         <p:tgtEl>
                                           <p:spTgt spid="3">
                                             <p:txEl>
-                                              <p:pRg st="7" end="7"/>
+                                              <p:pRg st="9" end="9"/>
                                             </p:txEl>
                                           </p:spTgt>
                                         </p:tgtEl>
@@ -5211,7 +5235,7 @@
                                         <p:tgtEl>
                                           <p:spTgt spid="3">
                                             <p:txEl>
-                                              <p:pRg st="7" end="7"/>
+                                              <p:pRg st="9" end="9"/>
                                             </p:txEl>
                                           </p:spTgt>
                                         </p:tgtEl>
@@ -5223,7 +5247,7 @@
                                         <p:tgtEl>
                                           <p:spTgt spid="3">
                                             <p:txEl>
-                                              <p:pRg st="7" end="7"/>
+                                              <p:pRg st="9" end="9"/>
                                             </p:txEl>
                                           </p:spTgt>
                                         </p:tgtEl>
@@ -5247,236 +5271,6 @@
                                     <p:anim calcmode="lin" valueType="num">
                                       <p:cBhvr>
                                         <p:cTn id="58" dur="1000" fill="hold"/>
-                                        <p:tgtEl>
-                                          <p:spTgt spid="3">
-                                            <p:txEl>
-                                              <p:pRg st="7" end="7"/>
-                                            </p:txEl>
-                                          </p:spTgt>
-                                        </p:tgtEl>
-                                        <p:attrNameLst>
-                                          <p:attrName>ppt_y</p:attrName>
-                                        </p:attrNameLst>
-                                      </p:cBhvr>
-                                      <p:tavLst>
-                                        <p:tav tm="0">
-                                          <p:val>
-                                            <p:strVal val="#ppt_y+.1"/>
-                                          </p:val>
-                                        </p:tav>
-                                        <p:tav tm="100000">
-                                          <p:val>
-                                            <p:strVal val="#ppt_y"/>
-                                          </p:val>
-                                        </p:tav>
-                                      </p:tavLst>
-                                    </p:anim>
-                                  </p:childTnLst>
-                                </p:cTn>
-                              </p:par>
-                            </p:childTnLst>
-                          </p:cTn>
-                        </p:par>
-                      </p:childTnLst>
-                    </p:cTn>
-                  </p:par>
-                  <p:par>
-                    <p:cTn id="59" fill="hold">
-                      <p:stCondLst>
-                        <p:cond delay="indefinite"/>
-                      </p:stCondLst>
-                      <p:childTnLst>
-                        <p:par>
-                          <p:cTn id="60" fill="hold">
-                            <p:stCondLst>
-                              <p:cond delay="0"/>
-                            </p:stCondLst>
-                            <p:childTnLst>
-                              <p:par>
-                                <p:cTn id="61" presetID="42" presetClass="entr" presetSubtype="0" fill="hold" grpId="0" nodeType="clickEffect">
-                                  <p:stCondLst>
-                                    <p:cond delay="0"/>
-                                  </p:stCondLst>
-                                  <p:childTnLst>
-                                    <p:set>
-                                      <p:cBhvr>
-                                        <p:cTn id="62" dur="1" fill="hold">
-                                          <p:stCondLst>
-                                            <p:cond delay="0"/>
-                                          </p:stCondLst>
-                                        </p:cTn>
-                                        <p:tgtEl>
-                                          <p:spTgt spid="3">
-                                            <p:txEl>
-                                              <p:pRg st="8" end="8"/>
-                                            </p:txEl>
-                                          </p:spTgt>
-                                        </p:tgtEl>
-                                        <p:attrNameLst>
-                                          <p:attrName>style.visibility</p:attrName>
-                                        </p:attrNameLst>
-                                      </p:cBhvr>
-                                      <p:to>
-                                        <p:strVal val="visible"/>
-                                      </p:to>
-                                    </p:set>
-                                    <p:animEffect transition="in" filter="fade">
-                                      <p:cBhvr>
-                                        <p:cTn id="63" dur="1000"/>
-                                        <p:tgtEl>
-                                          <p:spTgt spid="3">
-                                            <p:txEl>
-                                              <p:pRg st="8" end="8"/>
-                                            </p:txEl>
-                                          </p:spTgt>
-                                        </p:tgtEl>
-                                      </p:cBhvr>
-                                    </p:animEffect>
-                                    <p:anim calcmode="lin" valueType="num">
-                                      <p:cBhvr>
-                                        <p:cTn id="64" dur="1000" fill="hold"/>
-                                        <p:tgtEl>
-                                          <p:spTgt spid="3">
-                                            <p:txEl>
-                                              <p:pRg st="8" end="8"/>
-                                            </p:txEl>
-                                          </p:spTgt>
-                                        </p:tgtEl>
-                                        <p:attrNameLst>
-                                          <p:attrName>ppt_x</p:attrName>
-                                        </p:attrNameLst>
-                                      </p:cBhvr>
-                                      <p:tavLst>
-                                        <p:tav tm="0">
-                                          <p:val>
-                                            <p:strVal val="#ppt_x"/>
-                                          </p:val>
-                                        </p:tav>
-                                        <p:tav tm="100000">
-                                          <p:val>
-                                            <p:strVal val="#ppt_x"/>
-                                          </p:val>
-                                        </p:tav>
-                                      </p:tavLst>
-                                    </p:anim>
-                                    <p:anim calcmode="lin" valueType="num">
-                                      <p:cBhvr>
-                                        <p:cTn id="65" dur="1000" fill="hold"/>
-                                        <p:tgtEl>
-                                          <p:spTgt spid="3">
-                                            <p:txEl>
-                                              <p:pRg st="8" end="8"/>
-                                            </p:txEl>
-                                          </p:spTgt>
-                                        </p:tgtEl>
-                                        <p:attrNameLst>
-                                          <p:attrName>ppt_y</p:attrName>
-                                        </p:attrNameLst>
-                                      </p:cBhvr>
-                                      <p:tavLst>
-                                        <p:tav tm="0">
-                                          <p:val>
-                                            <p:strVal val="#ppt_y+.1"/>
-                                          </p:val>
-                                        </p:tav>
-                                        <p:tav tm="100000">
-                                          <p:val>
-                                            <p:strVal val="#ppt_y"/>
-                                          </p:val>
-                                        </p:tav>
-                                      </p:tavLst>
-                                    </p:anim>
-                                  </p:childTnLst>
-                                </p:cTn>
-                              </p:par>
-                            </p:childTnLst>
-                          </p:cTn>
-                        </p:par>
-                      </p:childTnLst>
-                    </p:cTn>
-                  </p:par>
-                  <p:par>
-                    <p:cTn id="66" fill="hold">
-                      <p:stCondLst>
-                        <p:cond delay="indefinite"/>
-                      </p:stCondLst>
-                      <p:childTnLst>
-                        <p:par>
-                          <p:cTn id="67" fill="hold">
-                            <p:stCondLst>
-                              <p:cond delay="0"/>
-                            </p:stCondLst>
-                            <p:childTnLst>
-                              <p:par>
-                                <p:cTn id="68" presetID="42" presetClass="entr" presetSubtype="0" fill="hold" grpId="0" nodeType="clickEffect">
-                                  <p:stCondLst>
-                                    <p:cond delay="0"/>
-                                  </p:stCondLst>
-                                  <p:childTnLst>
-                                    <p:set>
-                                      <p:cBhvr>
-                                        <p:cTn id="69" dur="1" fill="hold">
-                                          <p:stCondLst>
-                                            <p:cond delay="0"/>
-                                          </p:stCondLst>
-                                        </p:cTn>
-                                        <p:tgtEl>
-                                          <p:spTgt spid="3">
-                                            <p:txEl>
-                                              <p:pRg st="9" end="9"/>
-                                            </p:txEl>
-                                          </p:spTgt>
-                                        </p:tgtEl>
-                                        <p:attrNameLst>
-                                          <p:attrName>style.visibility</p:attrName>
-                                        </p:attrNameLst>
-                                      </p:cBhvr>
-                                      <p:to>
-                                        <p:strVal val="visible"/>
-                                      </p:to>
-                                    </p:set>
-                                    <p:animEffect transition="in" filter="fade">
-                                      <p:cBhvr>
-                                        <p:cTn id="70" dur="1000"/>
-                                        <p:tgtEl>
-                                          <p:spTgt spid="3">
-                                            <p:txEl>
-                                              <p:pRg st="9" end="9"/>
-                                            </p:txEl>
-                                          </p:spTgt>
-                                        </p:tgtEl>
-                                      </p:cBhvr>
-                                    </p:animEffect>
-                                    <p:anim calcmode="lin" valueType="num">
-                                      <p:cBhvr>
-                                        <p:cTn id="71" dur="1000" fill="hold"/>
-                                        <p:tgtEl>
-                                          <p:spTgt spid="3">
-                                            <p:txEl>
-                                              <p:pRg st="9" end="9"/>
-                                            </p:txEl>
-                                          </p:spTgt>
-                                        </p:tgtEl>
-                                        <p:attrNameLst>
-                                          <p:attrName>ppt_x</p:attrName>
-                                        </p:attrNameLst>
-                                      </p:cBhvr>
-                                      <p:tavLst>
-                                        <p:tav tm="0">
-                                          <p:val>
-                                            <p:strVal val="#ppt_x"/>
-                                          </p:val>
-                                        </p:tav>
-                                        <p:tav tm="100000">
-                                          <p:val>
-                                            <p:strVal val="#ppt_x"/>
-                                          </p:val>
-                                        </p:tav>
-                                      </p:tavLst>
-                                    </p:anim>
-                                    <p:anim calcmode="lin" valueType="num">
-                                      <p:cBhvr>
-                                        <p:cTn id="72" dur="1000" fill="hold"/>
                                         <p:tgtEl>
                                           <p:spTgt spid="3">
                                             <p:txEl>
@@ -6968,8 +6762,8 @@
           </a:prstGeom>
         </p:spPr>
       </p:pic>
-      <mc:AlternateContent xmlns:mc="http://schemas.openxmlformats.org/markup-compatibility/2006">
-        <mc:Choice xmlns:a14="http://schemas.microsoft.com/office/drawing/2010/main" Requires="a14">
+      <mc:AlternateContent xmlns:mc="http://schemas.openxmlformats.org/markup-compatibility/2006" xmlns:a14="http://schemas.microsoft.com/office/drawing/2010/main">
+        <mc:Choice Requires="a14">
           <p:sp>
             <p:nvSpPr>
               <p:cNvPr id="3" name="内容占位符 2">
@@ -7729,7 +7523,7 @@
             </p:txBody>
           </p:sp>
         </mc:Choice>
-        <mc:Fallback>
+        <mc:Fallback xmlns="">
           <p:sp>
             <p:nvSpPr>
               <p:cNvPr id="3" name="内容占位符 2">
